--- a/presentation/QHACK2019.pptx
+++ b/presentation/QHACK2019.pptx
@@ -6,7 +6,7 @@
   </p:sldMasterIdLst>
   <p:sldIdLst>
     <p:sldId id="256" r:id="rId2"/>
-    <p:sldId id="258" r:id="rId3"/>
+    <p:sldId id="260" r:id="rId3"/>
     <p:sldId id="259" r:id="rId4"/>
     <p:sldId id="257" r:id="rId5"/>
   </p:sldIdLst>
@@ -3367,7 +3367,7 @@
         </p:nvSpPr>
         <p:spPr>
           <a:xfrm>
-            <a:off x="0" y="0"/>
+            <a:off x="0" y="-121920"/>
             <a:ext cx="12192000" cy="2800350"/>
           </a:xfrm>
           <a:prstGeom prst="rect">
@@ -3496,7 +3496,7 @@
         <p:spPr>
           <a:xfrm flipH="1">
             <a:off x="0" y="2800350"/>
-            <a:ext cx="12192001" cy="1323439"/>
+            <a:ext cx="12192001" cy="4439677"/>
           </a:xfrm>
           <a:prstGeom prst="rect">
             <a:avLst/>
@@ -3528,6 +3528,54 @@
               <a:t>Pruned VQE</a:t>
             </a:r>
           </a:p>
+          <a:p>
+            <a:pPr algn="ctr"/>
+            <a:endParaRPr lang="en-CA" sz="4000" dirty="0">
+              <a:latin typeface="Bahnschrift Light" panose="020B0502040204020203" pitchFamily="34" charset="0"/>
+              <a:cs typeface="Arial" panose="020B0604020202020204" pitchFamily="34" charset="0"/>
+            </a:endParaRPr>
+          </a:p>
+          <a:p>
+            <a:pPr algn="ctr">
+              <a:lnSpc>
+                <a:spcPct val="150000"/>
+              </a:lnSpc>
+              <a:spcAft>
+                <a:spcPts val="600"/>
+              </a:spcAft>
+            </a:pPr>
+            <a:r>
+              <a:rPr lang="en-US" sz="2500" b="1" dirty="0"/>
+              <a:t>Lottery Ticket Hypothesis</a:t>
+            </a:r>
+            <a:endParaRPr lang="en-US" sz="2500" dirty="0"/>
+          </a:p>
+          <a:p>
+            <a:pPr algn="ctr">
+              <a:lnSpc>
+                <a:spcPct val="150000"/>
+              </a:lnSpc>
+              <a:spcAft>
+                <a:spcPts val="600"/>
+              </a:spcAft>
+            </a:pPr>
+            <a:r>
+              <a:rPr lang="en-US" sz="2500" b="1" dirty="0"/>
+              <a:t>“Winning ticket”</a:t>
+            </a:r>
+            <a:r>
+              <a:rPr lang="en-US" sz="2500" dirty="0"/>
+              <a:t>: correct initialization and small network that performs comparably to a larger network</a:t>
+            </a:r>
+            <a:endParaRPr lang="en-US" sz="2500" b="1" i="1" dirty="0"/>
+          </a:p>
+          <a:p>
+            <a:pPr algn="ctr"/>
+            <a:endParaRPr lang="en-CA" sz="4000" dirty="0">
+              <a:latin typeface="Bahnschrift Light" panose="020B0502040204020203" pitchFamily="34" charset="0"/>
+              <a:cs typeface="Arial" panose="020B0604020202020204" pitchFamily="34" charset="0"/>
+            </a:endParaRPr>
+          </a:p>
         </p:txBody>
       </p:sp>
       <p:sp>
@@ -3544,7 +3592,7 @@
         </p:nvSpPr>
         <p:spPr>
           <a:xfrm flipH="1">
-            <a:off x="0" y="5140459"/>
+            <a:off x="2830342" y="402327"/>
             <a:ext cx="12192001" cy="1246495"/>
           </a:xfrm>
           <a:prstGeom prst="rect">
@@ -3574,7 +3622,7 @@
                 <a:latin typeface="Bahnschrift Light" panose="020B0502040204020203" pitchFamily="34" charset="0"/>
                 <a:cs typeface="Arial" panose="020B0604020202020204" pitchFamily="34" charset="0"/>
               </a:rPr>
-              <a:t>QHACK 2019, Toronto, Canada</a:t>
+              <a:t>QHACK 2019</a:t>
             </a:r>
           </a:p>
           <a:p>
@@ -3603,7 +3651,7 @@
         </p:nvGrpSpPr>
         <p:grpSpPr>
           <a:xfrm>
-            <a:off x="3462841" y="540388"/>
+            <a:off x="829695" y="402327"/>
             <a:ext cx="5266305" cy="1699847"/>
             <a:chOff x="2876550" y="445968"/>
             <a:chExt cx="5266305" cy="1699847"/>
@@ -4936,92 +4984,97 @@
       </p:grpSpPr>
       <p:sp>
         <p:nvSpPr>
-          <p:cNvPr id="4" name="TextBox 3">
-            <a:extLst>
-              <a:ext uri="{FF2B5EF4-FFF2-40B4-BE49-F238E27FC236}">
-                <a16:creationId xmlns:a16="http://schemas.microsoft.com/office/drawing/2014/main" id="{A6CBAE04-BF58-496F-9A0F-8053C4D4C01D}"/>
-              </a:ext>
-            </a:extLst>
-          </p:cNvPr>
-          <p:cNvSpPr txBox="1"/>
-          <p:nvPr/>
+          <p:cNvPr id="2" name="Title 1">
+            <a:extLst>
+              <a:ext uri="{FF2B5EF4-FFF2-40B4-BE49-F238E27FC236}">
+                <a16:creationId xmlns:a16="http://schemas.microsoft.com/office/drawing/2014/main" id="{E14791BF-B81C-47D4-AD63-418D00A4136B}"/>
+              </a:ext>
+            </a:extLst>
+          </p:cNvPr>
+          <p:cNvSpPr>
+            <a:spLocks noGrp="1"/>
+          </p:cNvSpPr>
+          <p:nvPr>
+            <p:ph type="title"/>
+          </p:nvPr>
         </p:nvSpPr>
         <p:spPr>
           <a:xfrm>
-            <a:off x="299511" y="203201"/>
-            <a:ext cx="11592978" cy="5923280"/>
+            <a:off x="838200" y="365126"/>
+            <a:ext cx="10515600" cy="1064180"/>
           </a:xfrm>
-          <a:prstGeom prst="rect">
-            <a:avLst/>
-          </a:prstGeom>
         </p:spPr>
         <p:txBody>
-          <a:bodyPr vert="horz" lIns="91440" tIns="45720" rIns="91440" bIns="45720" rtlCol="0" anchor="ctr">
-            <a:noAutofit/>
+          <a:bodyPr>
+            <a:normAutofit fontScale="90000"/>
           </a:bodyPr>
           <a:lstStyle/>
           <a:p>
-            <a:pPr marL="342900" indent="-228600">
+            <a:r>
+              <a:rPr lang="en-US" b="1" u="sng" dirty="0"/>
+              <a:t>Quantum Lottery Ticket Hypothesis</a:t>
+            </a:r>
+            <a:br>
+              <a:rPr lang="en-US" b="1" u="sng" dirty="0"/>
+            </a:br>
+            <a:endParaRPr lang="en-CA" dirty="0"/>
+          </a:p>
+        </p:txBody>
+      </p:sp>
+      <p:sp>
+        <p:nvSpPr>
+          <p:cNvPr id="3" name="Content Placeholder 2">
+            <a:extLst>
+              <a:ext uri="{FF2B5EF4-FFF2-40B4-BE49-F238E27FC236}">
+                <a16:creationId xmlns:a16="http://schemas.microsoft.com/office/drawing/2014/main" id="{ECEF71B1-CB8E-40FF-A94D-385751E78396}"/>
+              </a:ext>
+            </a:extLst>
+          </p:cNvPr>
+          <p:cNvSpPr>
+            <a:spLocks noGrp="1"/>
+          </p:cNvSpPr>
+          <p:nvPr>
+            <p:ph idx="1"/>
+          </p:nvPr>
+        </p:nvSpPr>
+        <p:spPr>
+          <a:xfrm>
+            <a:off x="838200" y="1269507"/>
+            <a:ext cx="10515600" cy="4907456"/>
+          </a:xfrm>
+        </p:spPr>
+        <p:txBody>
+          <a:bodyPr>
+            <a:normAutofit lnSpcReduction="10000"/>
+          </a:bodyPr>
+          <a:lstStyle/>
+          <a:p>
+            <a:pPr marL="0" indent="0">
               <a:lnSpc>
                 <a:spcPct val="150000"/>
               </a:lnSpc>
               <a:spcAft>
                 <a:spcPts val="600"/>
               </a:spcAft>
-              <a:buFont typeface="Arial" panose="020B0604020202020204" pitchFamily="34" charset="0"/>
-              <a:buChar char="•"/>
+              <a:buNone/>
             </a:pPr>
             <a:r>
               <a:rPr lang="en-US" b="1" dirty="0"/>
-              <a:t>Lottery Ticket Hypothesis </a:t>
+              <a:t>Lottery Ticket Hypothesis</a:t>
             </a:r>
             <a:r>
               <a:rPr lang="en-US" dirty="0"/>
-              <a:t>(idea): </a:t>
+              <a:t>: </a:t>
             </a:r>
           </a:p>
           <a:p>
-            <a:pPr marL="857250" lvl="1" indent="-285750">
+            <a:pPr marL="800100" lvl="1">
               <a:lnSpc>
                 <a:spcPct val="150000"/>
               </a:lnSpc>
               <a:spcAft>
                 <a:spcPts val="600"/>
               </a:spcAft>
-              <a:buFont typeface="Wingdings" panose="05000000000000000000" pitchFamily="2" charset="2"/>
-              <a:buChar char="Ø"/>
-            </a:pPr>
-            <a:r>
-              <a:rPr lang="en-US" i="1" dirty="0"/>
-              <a:t>Network size doesn’t matter</a:t>
-            </a:r>
-          </a:p>
-          <a:p>
-            <a:pPr marL="857250" lvl="1" indent="-285750">
-              <a:lnSpc>
-                <a:spcPct val="150000"/>
-              </a:lnSpc>
-              <a:spcAft>
-                <a:spcPts val="600"/>
-              </a:spcAft>
-              <a:buFont typeface="Wingdings" panose="05000000000000000000" pitchFamily="2" charset="2"/>
-              <a:buChar char="Ø"/>
-            </a:pPr>
-            <a:r>
-              <a:rPr lang="en-US" i="1" dirty="0"/>
-              <a:t>Initialization &amp; architecture are important</a:t>
-            </a:r>
-          </a:p>
-          <a:p>
-            <a:pPr marL="857250" lvl="1" indent="-285750">
-              <a:lnSpc>
-                <a:spcPct val="150000"/>
-              </a:lnSpc>
-              <a:spcAft>
-                <a:spcPts val="600"/>
-              </a:spcAft>
-              <a:buFont typeface="Wingdings" panose="05000000000000000000" pitchFamily="2" charset="2"/>
-              <a:buChar char="Ø"/>
             </a:pPr>
             <a:r>
               <a:rPr lang="en-US" b="1" dirty="0"/>
@@ -5031,156 +5084,91 @@
               <a:rPr lang="en-US" dirty="0"/>
               <a:t>: correct initialization and small network that performs comparably to a larger network</a:t>
             </a:r>
-          </a:p>
-          <a:p>
-            <a:pPr marL="342900" indent="-228600">
+            <a:endParaRPr lang="en-US" b="1" i="1" dirty="0"/>
+          </a:p>
+          <a:p>
+            <a:pPr marL="0" indent="0">
               <a:lnSpc>
                 <a:spcPct val="150000"/>
               </a:lnSpc>
               <a:spcAft>
                 <a:spcPts val="600"/>
               </a:spcAft>
-              <a:buFont typeface="Arial" panose="020B0604020202020204" pitchFamily="34" charset="0"/>
-              <a:buChar char="•"/>
+              <a:buNone/>
             </a:pPr>
             <a:r>
-              <a:rPr lang="en-US" dirty="0"/>
-              <a:t>Start with big network </a:t>
+              <a:rPr lang="en-US" b="1" i="1" dirty="0"/>
+              <a:t>What about variational quantum circuits?</a:t>
             </a:r>
-            <a:r>
-              <a:rPr lang="en-US" dirty="0">
-                <a:sym typeface="Wingdings" panose="05000000000000000000" pitchFamily="2" charset="2"/>
-              </a:rPr>
-              <a:t> train it  prune insignificant parameters  train it  repeat</a:t>
-            </a:r>
-            <a:endParaRPr lang="en-US" dirty="0"/>
-          </a:p>
-          <a:p>
-            <a:pPr marL="342900" indent="-228600">
+            <a:endParaRPr lang="en-CA" b="1" i="1" dirty="0"/>
+          </a:p>
+          <a:p>
+            <a:pPr marL="914400" lvl="1" indent="-342900">
               <a:lnSpc>
                 <a:spcPct val="150000"/>
               </a:lnSpc>
               <a:spcAft>
                 <a:spcPts val="600"/>
               </a:spcAft>
-              <a:buFont typeface="Arial" panose="020B0604020202020204" pitchFamily="34" charset="0"/>
-              <a:buChar char="•"/>
             </a:pPr>
             <a:r>
-              <a:rPr lang="en-US" b="1" i="1" dirty="0"/>
-              <a:t>What about variational quantum circuits?</a:t>
+              <a:rPr lang="en-US" dirty="0"/>
+              <a:t>Flat landscapes make </a:t>
             </a:r>
-          </a:p>
-          <a:p>
-            <a:pPr marL="857250" lvl="1" indent="-285750">
+            <a:r>
+              <a:rPr lang="en-US" i="1" dirty="0"/>
+              <a:t>initialization</a:t>
+            </a:r>
+            <a:r>
+              <a:rPr lang="en-US" dirty="0"/>
+              <a:t> hard</a:t>
+            </a:r>
+          </a:p>
+          <a:p>
+            <a:pPr marL="914400" lvl="1" indent="-342900">
               <a:lnSpc>
                 <a:spcPct val="150000"/>
               </a:lnSpc>
               <a:spcAft>
                 <a:spcPts val="600"/>
               </a:spcAft>
-              <a:buFont typeface="Wingdings" panose="05000000000000000000" pitchFamily="2" charset="2"/>
-              <a:buChar char="Ø"/>
             </a:pPr>
             <a:r>
               <a:rPr lang="en-US" dirty="0"/>
-              <a:t>Flat landscapes make initialization hard</a:t>
+              <a:t>Many gates = lots of noise</a:t>
             </a:r>
           </a:p>
           <a:p>
-            <a:pPr marL="857250" lvl="1" indent="-285750">
+            <a:pPr marL="914400" lvl="1" indent="-342900">
               <a:lnSpc>
                 <a:spcPct val="150000"/>
               </a:lnSpc>
               <a:spcAft>
                 <a:spcPts val="600"/>
               </a:spcAft>
-              <a:buFont typeface="Wingdings" panose="05000000000000000000" pitchFamily="2" charset="2"/>
-              <a:buChar char="Ø"/>
             </a:pPr>
             <a:r>
               <a:rPr lang="en-US" dirty="0"/>
-              <a:t>Many gates = lots of noise</a:t>
+              <a:t>Can we prune away gates that are insignificant?</a:t>
             </a:r>
           </a:p>
           <a:p>
-            <a:pPr marL="857250" lvl="1" indent="-285750">
+            <a:pPr marL="114300">
               <a:lnSpc>
                 <a:spcPct val="150000"/>
               </a:lnSpc>
               <a:spcAft>
                 <a:spcPts val="600"/>
               </a:spcAft>
-              <a:buFont typeface="Wingdings" panose="05000000000000000000" pitchFamily="2" charset="2"/>
-              <a:buChar char="Ø"/>
             </a:pPr>
-            <a:r>
-              <a:rPr lang="en-US" dirty="0"/>
-              <a:t>Can we prune away gates that are insignificant?</a:t>
-            </a:r>
-          </a:p>
-          <a:p>
-            <a:pPr marL="342900" indent="-228600">
-              <a:lnSpc>
-                <a:spcPct val="150000"/>
-              </a:lnSpc>
-              <a:spcAft>
-                <a:spcPts val="600"/>
-              </a:spcAft>
-              <a:buFont typeface="Arial" panose="020B0604020202020204" pitchFamily="34" charset="0"/>
-              <a:buChar char="•"/>
-            </a:pPr>
-            <a:r>
-              <a:rPr lang="en-US" dirty="0"/>
-              <a:t>Variational Quantum </a:t>
-            </a:r>
-            <a:r>
-              <a:rPr lang="en-US" dirty="0" err="1"/>
-              <a:t>Eigensolvers</a:t>
-            </a:r>
-            <a:r>
-              <a:rPr lang="en-US" dirty="0"/>
-              <a:t> </a:t>
-            </a:r>
-          </a:p>
-          <a:p>
-            <a:pPr marL="800100" lvl="1" indent="-228600">
-              <a:lnSpc>
-                <a:spcPct val="150000"/>
-              </a:lnSpc>
-              <a:spcAft>
-                <a:spcPts val="600"/>
-              </a:spcAft>
-              <a:buFont typeface="Arial" panose="020B0604020202020204" pitchFamily="34" charset="0"/>
-              <a:buChar char="•"/>
-            </a:pPr>
-            <a:r>
-              <a:rPr lang="en-US" dirty="0"/>
-              <a:t>“Prune” gates that are doing nothing (very small rotations)</a:t>
-            </a:r>
-          </a:p>
-          <a:p>
-            <a:pPr marL="800100" lvl="1" indent="-228600">
-              <a:lnSpc>
-                <a:spcPct val="150000"/>
-              </a:lnSpc>
-              <a:spcAft>
-                <a:spcPts val="600"/>
-              </a:spcAft>
-              <a:buFont typeface="Arial" panose="020B0604020202020204" pitchFamily="34" charset="0"/>
-              <a:buChar char="•"/>
-            </a:pPr>
-            <a:r>
-              <a:rPr lang="en-US" dirty="0"/>
-              <a:t>Retrain the circuit</a:t>
-            </a:r>
+            <a:endParaRPr lang="en-US" b="1" i="1" dirty="0"/>
           </a:p>
         </p:txBody>
       </p:sp>
     </p:spTree>
     <p:extLst>
       <p:ext uri="{BB962C8B-B14F-4D97-AF65-F5344CB8AC3E}">
-        <p14:creationId xmlns:p14="http://schemas.microsoft.com/office/powerpoint/2010/main" val="1702116321"/>
+        <p14:creationId xmlns:p14="http://schemas.microsoft.com/office/powerpoint/2010/main" val="3626451542"/>
       </p:ext>
     </p:extLst>
   </p:cSld>
@@ -5207,90 +5195,438 @@
           <a:chExt cx="0" cy="0"/>
         </a:xfrm>
       </p:grpSpPr>
-      <p:sp>
-        <p:nvSpPr>
-          <p:cNvPr id="4" name="Rectangle 3">
-            <a:extLst>
-              <a:ext uri="{FF2B5EF4-FFF2-40B4-BE49-F238E27FC236}">
-                <a16:creationId xmlns:a16="http://schemas.microsoft.com/office/drawing/2014/main" id="{27AB204F-22E4-4B4C-8093-E4B47C15FFE5}"/>
-              </a:ext>
-            </a:extLst>
-          </p:cNvPr>
-          <p:cNvSpPr/>
-          <p:nvPr/>
-        </p:nvSpPr>
-        <p:spPr>
-          <a:xfrm>
-            <a:off x="304800" y="230693"/>
-            <a:ext cx="6096000" cy="1865254"/>
-          </a:xfrm>
-          <a:prstGeom prst="rect">
-            <a:avLst/>
-          </a:prstGeom>
-        </p:spPr>
-        <p:txBody>
-          <a:bodyPr>
-            <a:spAutoFit/>
-          </a:bodyPr>
-          <a:lstStyle/>
-          <a:p>
-            <a:pPr marL="342900" indent="-228600">
-              <a:lnSpc>
-                <a:spcPct val="150000"/>
-              </a:lnSpc>
-              <a:spcAft>
-                <a:spcPts val="600"/>
-              </a:spcAft>
-              <a:buFont typeface="Arial" panose="020B0604020202020204" pitchFamily="34" charset="0"/>
-              <a:buChar char="•"/>
-            </a:pPr>
-            <a:r>
-              <a:rPr lang="en-US" dirty="0"/>
-              <a:t>Variational Quantum </a:t>
-            </a:r>
-            <a:r>
-              <a:rPr lang="en-US" dirty="0" err="1"/>
-              <a:t>Eigensolvers</a:t>
-            </a:r>
-            <a:r>
-              <a:rPr lang="en-US" dirty="0"/>
-              <a:t> </a:t>
-            </a:r>
-          </a:p>
-          <a:p>
-            <a:pPr marL="857250" lvl="1" indent="-285750">
-              <a:lnSpc>
-                <a:spcPct val="150000"/>
-              </a:lnSpc>
-              <a:spcAft>
-                <a:spcPts val="600"/>
-              </a:spcAft>
-              <a:buFont typeface="Wingdings" panose="05000000000000000000" pitchFamily="2" charset="2"/>
-              <a:buChar char="Ø"/>
-            </a:pPr>
-            <a:r>
-              <a:rPr lang="en-US" dirty="0"/>
-              <a:t>“Prune” gates that are doing nothing (very small rotations)</a:t>
-            </a:r>
-          </a:p>
-          <a:p>
-            <a:pPr marL="857250" lvl="1" indent="-285750">
-              <a:lnSpc>
-                <a:spcPct val="150000"/>
-              </a:lnSpc>
-              <a:spcAft>
-                <a:spcPts val="600"/>
-              </a:spcAft>
-              <a:buFont typeface="Wingdings" panose="05000000000000000000" pitchFamily="2" charset="2"/>
-              <a:buChar char="Ø"/>
-            </a:pPr>
-            <a:r>
-              <a:rPr lang="en-US" dirty="0"/>
-              <a:t>Retrain the circuit</a:t>
-            </a:r>
-          </a:p>
-        </p:txBody>
-      </p:sp>
+      <mc:AlternateContent xmlns:mc="http://schemas.openxmlformats.org/markup-compatibility/2006">
+        <mc:Choice xmlns:a14="http://schemas.microsoft.com/office/drawing/2010/main" Requires="a14">
+          <p:sp>
+            <p:nvSpPr>
+              <p:cNvPr id="4" name="Rectangle 3">
+                <a:extLst>
+                  <a:ext uri="{FF2B5EF4-FFF2-40B4-BE49-F238E27FC236}">
+                    <a16:creationId xmlns:a16="http://schemas.microsoft.com/office/drawing/2014/main" id="{27AB204F-22E4-4B4C-8093-E4B47C15FFE5}"/>
+                  </a:ext>
+                </a:extLst>
+              </p:cNvPr>
+              <p:cNvSpPr/>
+              <p:nvPr/>
+            </p:nvSpPr>
+            <p:spPr>
+              <a:xfrm>
+                <a:off x="304799" y="230693"/>
+                <a:ext cx="10810043" cy="2687787"/>
+              </a:xfrm>
+              <a:prstGeom prst="rect">
+                <a:avLst/>
+              </a:prstGeom>
+            </p:spPr>
+            <p:txBody>
+              <a:bodyPr wrap="square">
+                <a:spAutoFit/>
+              </a:bodyPr>
+              <a:lstStyle/>
+              <a:p>
+                <a:pPr marL="114300">
+                  <a:lnSpc>
+                    <a:spcPct val="150000"/>
+                  </a:lnSpc>
+                  <a:spcAft>
+                    <a:spcPts val="600"/>
+                  </a:spcAft>
+                </a:pPr>
+                <a:r>
+                  <a:rPr lang="en-US" sz="2800" b="1" dirty="0"/>
+                  <a:t>The Goal:</a:t>
+                </a:r>
+              </a:p>
+              <a:p>
+                <a:pPr marL="285750" indent="-285750">
+                  <a:lnSpc>
+                    <a:spcPct val="150000"/>
+                  </a:lnSpc>
+                  <a:buFont typeface="Arial" panose="020B0604020202020204" pitchFamily="34" charset="0"/>
+                  <a:buChar char="•"/>
+                </a:pPr>
+                <a:r>
+                  <a:rPr lang="en-US" sz="2800" dirty="0"/>
+                  <a:t>Train a 100-layer VQE on </a:t>
+                </a:r>
+                <a:r>
+                  <a:rPr lang="en-CA" sz="2800" dirty="0">
+                    <a:solidFill>
+                      <a:srgbClr val="1D1C1D"/>
+                    </a:solidFill>
+                    <a:latin typeface="Slack-Lato"/>
+                  </a:rPr>
+                  <a:t>1D Heisenberg model (N=10): </a:t>
+                </a:r>
+              </a:p>
+              <a:p>
+                <a:pPr>
+                  <a:lnSpc>
+                    <a:spcPct val="150000"/>
+                  </a:lnSpc>
+                </a:pPr>
+                <a:r>
+                  <a:rPr lang="en-CA" sz="2800" b="0" dirty="0">
+                    <a:solidFill>
+                      <a:srgbClr val="1D1C1D"/>
+                    </a:solidFill>
+                    <a:latin typeface="Slack-Lato"/>
+                  </a:rPr>
+                  <a:t>	</a:t>
+                </a:r>
+                <a14:m>
+                  <m:oMath xmlns:m="http://schemas.openxmlformats.org/officeDocument/2006/math">
+                    <m:r>
+                      <a:rPr lang="en-CA" sz="2800" b="0" i="1" smtClean="0">
+                        <a:solidFill>
+                          <a:srgbClr val="1D1C1D"/>
+                        </a:solidFill>
+                        <a:latin typeface="Cambria Math" panose="02040503050406030204" pitchFamily="18" charset="0"/>
+                      </a:rPr>
+                      <m:t>𝐻</m:t>
+                    </m:r>
+                    <m:r>
+                      <a:rPr lang="en-CA" sz="2800" b="0" i="1" smtClean="0">
+                        <a:solidFill>
+                          <a:srgbClr val="1D1C1D"/>
+                        </a:solidFill>
+                        <a:latin typeface="Cambria Math" panose="02040503050406030204" pitchFamily="18" charset="0"/>
+                      </a:rPr>
+                      <m:t>= </m:t>
+                    </m:r>
+                    <m:nary>
+                      <m:naryPr>
+                        <m:chr m:val="∑"/>
+                        <m:subHide m:val="on"/>
+                        <m:supHide m:val="on"/>
+                        <m:ctrlPr>
+                          <a:rPr lang="en-CA" sz="2800" b="0" i="1" smtClean="0">
+                            <a:solidFill>
+                              <a:srgbClr val="1D1C1D"/>
+                            </a:solidFill>
+                            <a:latin typeface="Cambria Math" panose="02040503050406030204" pitchFamily="18" charset="0"/>
+                          </a:rPr>
+                        </m:ctrlPr>
+                      </m:naryPr>
+                      <m:sub/>
+                      <m:sup/>
+                      <m:e>
+                        <m:sSub>
+                          <m:sSubPr>
+                            <m:ctrlPr>
+                              <a:rPr lang="en-CA" sz="2800" b="0" i="1" smtClean="0">
+                                <a:solidFill>
+                                  <a:srgbClr val="1D1C1D"/>
+                                </a:solidFill>
+                                <a:latin typeface="Cambria Math" panose="02040503050406030204" pitchFamily="18" charset="0"/>
+                              </a:rPr>
+                            </m:ctrlPr>
+                          </m:sSubPr>
+                          <m:e>
+                            <m:r>
+                              <a:rPr lang="en-CA" sz="2800" b="0" i="1" smtClean="0">
+                                <a:solidFill>
+                                  <a:srgbClr val="1D1C1D"/>
+                                </a:solidFill>
+                                <a:latin typeface="Cambria Math" panose="02040503050406030204" pitchFamily="18" charset="0"/>
+                              </a:rPr>
+                              <m:t>𝑋</m:t>
+                            </m:r>
+                          </m:e>
+                          <m:sub>
+                            <m:r>
+                              <a:rPr lang="en-CA" sz="2800" b="0" i="1" smtClean="0">
+                                <a:solidFill>
+                                  <a:srgbClr val="1D1C1D"/>
+                                </a:solidFill>
+                                <a:latin typeface="Cambria Math" panose="02040503050406030204" pitchFamily="18" charset="0"/>
+                              </a:rPr>
+                              <m:t>𝑖</m:t>
+                            </m:r>
+                          </m:sub>
+                        </m:sSub>
+                        <m:sSub>
+                          <m:sSubPr>
+                            <m:ctrlPr>
+                              <a:rPr lang="en-CA" sz="2800" b="0" i="1" smtClean="0">
+                                <a:solidFill>
+                                  <a:srgbClr val="1D1C1D"/>
+                                </a:solidFill>
+                                <a:latin typeface="Cambria Math" panose="02040503050406030204" pitchFamily="18" charset="0"/>
+                              </a:rPr>
+                            </m:ctrlPr>
+                          </m:sSubPr>
+                          <m:e>
+                            <m:r>
+                              <a:rPr lang="en-CA" sz="2800" b="0" i="1" smtClean="0">
+                                <a:solidFill>
+                                  <a:srgbClr val="1D1C1D"/>
+                                </a:solidFill>
+                                <a:latin typeface="Cambria Math" panose="02040503050406030204" pitchFamily="18" charset="0"/>
+                              </a:rPr>
+                              <m:t>𝑋</m:t>
+                            </m:r>
+                          </m:e>
+                          <m:sub>
+                            <m:r>
+                              <a:rPr lang="en-CA" sz="2800" b="0" i="1" smtClean="0">
+                                <a:solidFill>
+                                  <a:srgbClr val="1D1C1D"/>
+                                </a:solidFill>
+                                <a:latin typeface="Cambria Math" panose="02040503050406030204" pitchFamily="18" charset="0"/>
+                              </a:rPr>
+                              <m:t>𝑖</m:t>
+                            </m:r>
+                            <m:r>
+                              <a:rPr lang="en-CA" sz="2800" b="0" i="1" smtClean="0">
+                                <a:solidFill>
+                                  <a:srgbClr val="1D1C1D"/>
+                                </a:solidFill>
+                                <a:latin typeface="Cambria Math" panose="02040503050406030204" pitchFamily="18" charset="0"/>
+                              </a:rPr>
+                              <m:t>+1</m:t>
+                            </m:r>
+                          </m:sub>
+                        </m:sSub>
+                        <m:r>
+                          <a:rPr lang="en-CA" sz="2800" b="0" i="1" smtClean="0">
+                            <a:solidFill>
+                              <a:srgbClr val="1D1C1D"/>
+                            </a:solidFill>
+                            <a:latin typeface="Cambria Math" panose="02040503050406030204" pitchFamily="18" charset="0"/>
+                          </a:rPr>
+                          <m:t>+</m:t>
+                        </m:r>
+                        <m:sSub>
+                          <m:sSubPr>
+                            <m:ctrlPr>
+                              <a:rPr lang="en-CA" sz="2800" b="0" i="1" smtClean="0">
+                                <a:solidFill>
+                                  <a:srgbClr val="1D1C1D"/>
+                                </a:solidFill>
+                                <a:latin typeface="Cambria Math" panose="02040503050406030204" pitchFamily="18" charset="0"/>
+                              </a:rPr>
+                            </m:ctrlPr>
+                          </m:sSubPr>
+                          <m:e>
+                            <m:r>
+                              <a:rPr lang="en-CA" sz="2800" b="0" i="1" smtClean="0">
+                                <a:solidFill>
+                                  <a:srgbClr val="1D1C1D"/>
+                                </a:solidFill>
+                                <a:latin typeface="Cambria Math" panose="02040503050406030204" pitchFamily="18" charset="0"/>
+                              </a:rPr>
+                              <m:t>𝑌</m:t>
+                            </m:r>
+                          </m:e>
+                          <m:sub>
+                            <m:r>
+                              <a:rPr lang="en-CA" sz="2800" b="0" i="1" smtClean="0">
+                                <a:solidFill>
+                                  <a:srgbClr val="1D1C1D"/>
+                                </a:solidFill>
+                                <a:latin typeface="Cambria Math" panose="02040503050406030204" pitchFamily="18" charset="0"/>
+                              </a:rPr>
+                              <m:t>𝑖</m:t>
+                            </m:r>
+                          </m:sub>
+                        </m:sSub>
+                        <m:sSub>
+                          <m:sSubPr>
+                            <m:ctrlPr>
+                              <a:rPr lang="en-CA" sz="2800" b="0" i="1" smtClean="0">
+                                <a:solidFill>
+                                  <a:srgbClr val="1D1C1D"/>
+                                </a:solidFill>
+                                <a:latin typeface="Cambria Math" panose="02040503050406030204" pitchFamily="18" charset="0"/>
+                              </a:rPr>
+                            </m:ctrlPr>
+                          </m:sSubPr>
+                          <m:e>
+                            <m:r>
+                              <a:rPr lang="en-CA" sz="2800" b="0" i="1" smtClean="0">
+                                <a:solidFill>
+                                  <a:srgbClr val="1D1C1D"/>
+                                </a:solidFill>
+                                <a:latin typeface="Cambria Math" panose="02040503050406030204" pitchFamily="18" charset="0"/>
+                              </a:rPr>
+                              <m:t>𝑌</m:t>
+                            </m:r>
+                          </m:e>
+                          <m:sub>
+                            <m:r>
+                              <a:rPr lang="en-CA" sz="2800" b="0" i="1" smtClean="0">
+                                <a:solidFill>
+                                  <a:srgbClr val="1D1C1D"/>
+                                </a:solidFill>
+                                <a:latin typeface="Cambria Math" panose="02040503050406030204" pitchFamily="18" charset="0"/>
+                              </a:rPr>
+                              <m:t>𝑖</m:t>
+                            </m:r>
+                            <m:r>
+                              <a:rPr lang="en-CA" sz="2800" b="0" i="1" smtClean="0">
+                                <a:solidFill>
+                                  <a:srgbClr val="1D1C1D"/>
+                                </a:solidFill>
+                                <a:latin typeface="Cambria Math" panose="02040503050406030204" pitchFamily="18" charset="0"/>
+                              </a:rPr>
+                              <m:t>+1</m:t>
+                            </m:r>
+                          </m:sub>
+                        </m:sSub>
+                        <m:r>
+                          <a:rPr lang="en-CA" sz="2800" b="0" i="1" smtClean="0">
+                            <a:solidFill>
+                              <a:srgbClr val="1D1C1D"/>
+                            </a:solidFill>
+                            <a:latin typeface="Cambria Math" panose="02040503050406030204" pitchFamily="18" charset="0"/>
+                          </a:rPr>
+                          <m:t>+</m:t>
+                        </m:r>
+                        <m:sSub>
+                          <m:sSubPr>
+                            <m:ctrlPr>
+                              <a:rPr lang="en-CA" sz="2800" b="0" i="1" smtClean="0">
+                                <a:solidFill>
+                                  <a:srgbClr val="1D1C1D"/>
+                                </a:solidFill>
+                                <a:latin typeface="Cambria Math" panose="02040503050406030204" pitchFamily="18" charset="0"/>
+                              </a:rPr>
+                            </m:ctrlPr>
+                          </m:sSubPr>
+                          <m:e>
+                            <m:r>
+                              <a:rPr lang="en-CA" sz="2800" b="0" i="1" smtClean="0">
+                                <a:solidFill>
+                                  <a:srgbClr val="1D1C1D"/>
+                                </a:solidFill>
+                                <a:latin typeface="Cambria Math" panose="02040503050406030204" pitchFamily="18" charset="0"/>
+                              </a:rPr>
+                              <m:t>𝑍</m:t>
+                            </m:r>
+                          </m:e>
+                          <m:sub>
+                            <m:r>
+                              <a:rPr lang="en-CA" sz="2800" b="0" i="1" smtClean="0">
+                                <a:solidFill>
+                                  <a:srgbClr val="1D1C1D"/>
+                                </a:solidFill>
+                                <a:latin typeface="Cambria Math" panose="02040503050406030204" pitchFamily="18" charset="0"/>
+                              </a:rPr>
+                              <m:t>𝑖</m:t>
+                            </m:r>
+                          </m:sub>
+                        </m:sSub>
+                        <m:sSub>
+                          <m:sSubPr>
+                            <m:ctrlPr>
+                              <a:rPr lang="en-CA" sz="2800" b="0" i="1" smtClean="0">
+                                <a:solidFill>
+                                  <a:srgbClr val="1D1C1D"/>
+                                </a:solidFill>
+                                <a:latin typeface="Cambria Math" panose="02040503050406030204" pitchFamily="18" charset="0"/>
+                              </a:rPr>
+                            </m:ctrlPr>
+                          </m:sSubPr>
+                          <m:e>
+                            <m:r>
+                              <a:rPr lang="en-CA" sz="2800" b="0" i="1" smtClean="0">
+                                <a:solidFill>
+                                  <a:srgbClr val="1D1C1D"/>
+                                </a:solidFill>
+                                <a:latin typeface="Cambria Math" panose="02040503050406030204" pitchFamily="18" charset="0"/>
+                              </a:rPr>
+                              <m:t>𝑍</m:t>
+                            </m:r>
+                          </m:e>
+                          <m:sub>
+                            <m:r>
+                              <a:rPr lang="en-CA" sz="2800" b="0" i="1" smtClean="0">
+                                <a:solidFill>
+                                  <a:srgbClr val="1D1C1D"/>
+                                </a:solidFill>
+                                <a:latin typeface="Cambria Math" panose="02040503050406030204" pitchFamily="18" charset="0"/>
+                              </a:rPr>
+                              <m:t>𝑖</m:t>
+                            </m:r>
+                            <m:r>
+                              <a:rPr lang="en-CA" sz="2800" b="0" i="1" smtClean="0">
+                                <a:solidFill>
+                                  <a:srgbClr val="1D1C1D"/>
+                                </a:solidFill>
+                                <a:latin typeface="Cambria Math" panose="02040503050406030204" pitchFamily="18" charset="0"/>
+                              </a:rPr>
+                              <m:t>+1</m:t>
+                            </m:r>
+                          </m:sub>
+                        </m:sSub>
+                      </m:e>
+                    </m:nary>
+                  </m:oMath>
+                </a14:m>
+                <a:endParaRPr lang="en-US" sz="2800" dirty="0"/>
+              </a:p>
+              <a:p>
+                <a:pPr marL="457200" indent="-457200">
+                  <a:lnSpc>
+                    <a:spcPct val="150000"/>
+                  </a:lnSpc>
+                  <a:buFont typeface="Arial" panose="020B0604020202020204" pitchFamily="34" charset="0"/>
+                  <a:buChar char="•"/>
+                </a:pPr>
+                <a:r>
+                  <a:rPr lang="en-US" sz="2800" dirty="0"/>
+                  <a:t>3000 parameters</a:t>
+                </a:r>
+              </a:p>
+            </p:txBody>
+          </p:sp>
+        </mc:Choice>
+        <mc:Fallback>
+          <p:sp>
+            <p:nvSpPr>
+              <p:cNvPr id="4" name="Rectangle 3">
+                <a:extLst>
+                  <a:ext uri="{FF2B5EF4-FFF2-40B4-BE49-F238E27FC236}">
+                    <a16:creationId xmlns:a16="http://schemas.microsoft.com/office/drawing/2014/main" id="{27AB204F-22E4-4B4C-8093-E4B47C15FFE5}"/>
+                  </a:ext>
+                </a:extLst>
+              </p:cNvPr>
+              <p:cNvSpPr>
+                <a:spLocks noRot="1" noChangeAspect="1" noMove="1" noResize="1" noEditPoints="1" noAdjustHandles="1" noChangeArrowheads="1" noChangeShapeType="1" noTextEdit="1"/>
+              </p:cNvSpPr>
+              <p:nvPr/>
+            </p:nvSpPr>
+            <p:spPr>
+              <a:xfrm>
+                <a:off x="304799" y="230693"/>
+                <a:ext cx="10810043" cy="2687787"/>
+              </a:xfrm>
+              <a:prstGeom prst="rect">
+                <a:avLst/>
+              </a:prstGeom>
+              <a:blipFill>
+                <a:blip r:embed="rId2"/>
+                <a:stretch>
+                  <a:fillRect l="-1015" b="-5442"/>
+                </a:stretch>
+              </a:blipFill>
+            </p:spPr>
+            <p:txBody>
+              <a:bodyPr/>
+              <a:lstStyle/>
+              <a:p>
+                <a:r>
+                  <a:rPr lang="en-CA">
+                    <a:noFill/>
+                  </a:rPr>
+                  <a:t> </a:t>
+                </a:r>
+              </a:p>
+            </p:txBody>
+          </p:sp>
+        </mc:Fallback>
+      </mc:AlternateContent>
       <p:pic>
         <p:nvPicPr>
           <p:cNvPr id="5" name="Picture 4">
@@ -5306,7 +5642,7 @@
           <p:nvPr/>
         </p:nvPicPr>
         <p:blipFill>
-          <a:blip r:embed="rId2">
+          <a:blip r:embed="rId3">
             <a:extLst>
               <a:ext uri="{28A0092B-C50C-407E-A947-70E740481C1C}">
                 <a14:useLocalDpi xmlns:a14="http://schemas.microsoft.com/office/drawing/2010/main" val="0"/>
@@ -5319,7 +5655,7 @@
         </p:blipFill>
         <p:spPr>
           <a:xfrm>
-            <a:off x="1485266" y="2626360"/>
+            <a:off x="1485266" y="3814758"/>
             <a:ext cx="9221468" cy="2812549"/>
           </a:xfrm>
           <a:prstGeom prst="rect">
@@ -5341,7 +5677,7 @@
         </p:nvSpPr>
         <p:spPr>
           <a:xfrm>
-            <a:off x="2403856" y="3135376"/>
+            <a:off x="2403856" y="4323774"/>
             <a:ext cx="512064" cy="402336"/>
           </a:xfrm>
           <a:prstGeom prst="rect">
@@ -5393,7 +5729,7 @@
         </p:nvSpPr>
         <p:spPr>
           <a:xfrm>
-            <a:off x="3104896" y="3135376"/>
+            <a:off x="3104896" y="4323774"/>
             <a:ext cx="512064" cy="402336"/>
           </a:xfrm>
           <a:prstGeom prst="rect">
@@ -5445,7 +5781,7 @@
         </p:nvSpPr>
         <p:spPr>
           <a:xfrm>
-            <a:off x="5055616" y="3702304"/>
+            <a:off x="5055616" y="4890702"/>
             <a:ext cx="512064" cy="402336"/>
           </a:xfrm>
           <a:prstGeom prst="rect">
@@ -5497,7 +5833,7 @@
         </p:nvSpPr>
         <p:spPr>
           <a:xfrm>
-            <a:off x="5762752" y="3702304"/>
+            <a:off x="5762752" y="4890702"/>
             <a:ext cx="512064" cy="402336"/>
           </a:xfrm>
           <a:prstGeom prst="rect">
@@ -5549,7 +5885,7 @@
         </p:nvSpPr>
         <p:spPr>
           <a:xfrm>
-            <a:off x="6469888" y="3702304"/>
+            <a:off x="6469888" y="4890702"/>
             <a:ext cx="512064" cy="402336"/>
           </a:xfrm>
           <a:prstGeom prst="rect">
@@ -5601,7 +5937,7 @@
         </p:nvSpPr>
         <p:spPr>
           <a:xfrm>
-            <a:off x="5055616" y="4287520"/>
+            <a:off x="5055616" y="5475918"/>
             <a:ext cx="512064" cy="402336"/>
           </a:xfrm>
           <a:prstGeom prst="rect">
@@ -5653,7 +5989,7 @@
         </p:nvSpPr>
         <p:spPr>
           <a:xfrm>
-            <a:off x="5762752" y="4287520"/>
+            <a:off x="5762752" y="5475918"/>
             <a:ext cx="512064" cy="402336"/>
           </a:xfrm>
           <a:prstGeom prst="rect">
@@ -5705,7 +6041,7 @@
         </p:nvSpPr>
         <p:spPr>
           <a:xfrm>
-            <a:off x="6469888" y="4287520"/>
+            <a:off x="6469888" y="5475918"/>
             <a:ext cx="512064" cy="402336"/>
           </a:xfrm>
           <a:prstGeom prst="rect">
@@ -5757,7 +6093,7 @@
         </p:nvSpPr>
         <p:spPr>
           <a:xfrm>
-            <a:off x="8426704" y="3702304"/>
+            <a:off x="8426704" y="4890702"/>
             <a:ext cx="512064" cy="402336"/>
           </a:xfrm>
           <a:prstGeom prst="rect">
@@ -5809,7 +6145,7 @@
         </p:nvSpPr>
         <p:spPr>
           <a:xfrm>
-            <a:off x="9117710" y="3702304"/>
+            <a:off x="9117710" y="4890702"/>
             <a:ext cx="512064" cy="402336"/>
           </a:xfrm>
           <a:prstGeom prst="rect">
@@ -5863,7 +6199,7 @@
         </p:nvCxnSpPr>
         <p:spPr>
           <a:xfrm>
-            <a:off x="2074672" y="3330448"/>
+            <a:off x="2074672" y="4518846"/>
             <a:ext cx="1542288" cy="0"/>
           </a:xfrm>
           <a:prstGeom prst="line">
@@ -5906,7 +6242,7 @@
         </p:nvCxnSpPr>
         <p:spPr>
           <a:xfrm>
-            <a:off x="5055616" y="3909568"/>
+            <a:off x="5055616" y="5097966"/>
             <a:ext cx="1926336" cy="0"/>
           </a:xfrm>
           <a:prstGeom prst="line">
@@ -5949,7 +6285,7 @@
         </p:nvCxnSpPr>
         <p:spPr>
           <a:xfrm>
-            <a:off x="5055616" y="4482592"/>
+            <a:off x="5055616" y="5670990"/>
             <a:ext cx="1926336" cy="0"/>
           </a:xfrm>
           <a:prstGeom prst="line">
@@ -5992,7 +6328,7 @@
         </p:nvCxnSpPr>
         <p:spPr>
           <a:xfrm>
-            <a:off x="8426704" y="3909568"/>
+            <a:off x="8426704" y="5097966"/>
             <a:ext cx="1203070" cy="0"/>
           </a:xfrm>
           <a:prstGeom prst="line">
@@ -6019,6 +6355,451 @@
           </a:fontRef>
         </p:style>
       </p:cxnSp>
+      <mc:AlternateContent xmlns:mc="http://schemas.openxmlformats.org/markup-compatibility/2006">
+        <mc:Choice xmlns:a14="http://schemas.microsoft.com/office/drawing/2010/main" Requires="a14">
+          <p:sp>
+            <p:nvSpPr>
+              <p:cNvPr id="20" name="Rectangle 19">
+                <a:extLst>
+                  <a:ext uri="{FF2B5EF4-FFF2-40B4-BE49-F238E27FC236}">
+                    <a16:creationId xmlns:a16="http://schemas.microsoft.com/office/drawing/2014/main" id="{83592C36-A2C2-4974-B1C2-D22C0104B7C2}"/>
+                  </a:ext>
+                </a:extLst>
+              </p:cNvPr>
+              <p:cNvSpPr/>
+              <p:nvPr/>
+            </p:nvSpPr>
+            <p:spPr>
+              <a:xfrm>
+                <a:off x="304799" y="230693"/>
+                <a:ext cx="10810043" cy="3334118"/>
+              </a:xfrm>
+              <a:prstGeom prst="rect">
+                <a:avLst/>
+              </a:prstGeom>
+            </p:spPr>
+            <p:txBody>
+              <a:bodyPr wrap="square">
+                <a:spAutoFit/>
+              </a:bodyPr>
+              <a:lstStyle/>
+              <a:p>
+                <a:pPr marL="114300">
+                  <a:lnSpc>
+                    <a:spcPct val="150000"/>
+                  </a:lnSpc>
+                  <a:spcAft>
+                    <a:spcPts val="600"/>
+                  </a:spcAft>
+                </a:pPr>
+                <a:r>
+                  <a:rPr lang="en-US" sz="2800" b="1" dirty="0"/>
+                  <a:t>The Goal:</a:t>
+                </a:r>
+              </a:p>
+              <a:p>
+                <a:pPr marL="285750" indent="-285750">
+                  <a:lnSpc>
+                    <a:spcPct val="150000"/>
+                  </a:lnSpc>
+                  <a:buFont typeface="Arial" panose="020B0604020202020204" pitchFamily="34" charset="0"/>
+                  <a:buChar char="•"/>
+                </a:pPr>
+                <a:r>
+                  <a:rPr lang="en-US" sz="2800" dirty="0"/>
+                  <a:t>Train a 100-layer VQE on </a:t>
+                </a:r>
+                <a:r>
+                  <a:rPr lang="en-CA" sz="2800" dirty="0">
+                    <a:solidFill>
+                      <a:srgbClr val="1D1C1D"/>
+                    </a:solidFill>
+                    <a:latin typeface="Slack-Lato"/>
+                  </a:rPr>
+                  <a:t>1D Heisenberg model (N=10): </a:t>
+                </a:r>
+              </a:p>
+              <a:p>
+                <a:pPr>
+                  <a:lnSpc>
+                    <a:spcPct val="150000"/>
+                  </a:lnSpc>
+                </a:pPr>
+                <a:r>
+                  <a:rPr lang="en-CA" sz="2800" b="0" dirty="0">
+                    <a:solidFill>
+                      <a:srgbClr val="1D1C1D"/>
+                    </a:solidFill>
+                    <a:latin typeface="Slack-Lato"/>
+                  </a:rPr>
+                  <a:t>	</a:t>
+                </a:r>
+                <a14:m>
+                  <m:oMath xmlns:m="http://schemas.openxmlformats.org/officeDocument/2006/math">
+                    <m:r>
+                      <a:rPr lang="en-CA" sz="2800" b="0" i="1" smtClean="0">
+                        <a:solidFill>
+                          <a:srgbClr val="1D1C1D"/>
+                        </a:solidFill>
+                        <a:latin typeface="Cambria Math" panose="02040503050406030204" pitchFamily="18" charset="0"/>
+                      </a:rPr>
+                      <m:t>𝐻</m:t>
+                    </m:r>
+                    <m:r>
+                      <a:rPr lang="en-CA" sz="2800" b="0" i="1" smtClean="0">
+                        <a:solidFill>
+                          <a:srgbClr val="1D1C1D"/>
+                        </a:solidFill>
+                        <a:latin typeface="Cambria Math" panose="02040503050406030204" pitchFamily="18" charset="0"/>
+                      </a:rPr>
+                      <m:t>= </m:t>
+                    </m:r>
+                    <m:nary>
+                      <m:naryPr>
+                        <m:chr m:val="∑"/>
+                        <m:subHide m:val="on"/>
+                        <m:supHide m:val="on"/>
+                        <m:ctrlPr>
+                          <a:rPr lang="en-CA" sz="2800" b="0" i="1" smtClean="0">
+                            <a:solidFill>
+                              <a:srgbClr val="1D1C1D"/>
+                            </a:solidFill>
+                            <a:latin typeface="Cambria Math" panose="02040503050406030204" pitchFamily="18" charset="0"/>
+                          </a:rPr>
+                        </m:ctrlPr>
+                      </m:naryPr>
+                      <m:sub/>
+                      <m:sup/>
+                      <m:e>
+                        <m:sSub>
+                          <m:sSubPr>
+                            <m:ctrlPr>
+                              <a:rPr lang="en-CA" sz="2800" b="0" i="1" smtClean="0">
+                                <a:solidFill>
+                                  <a:srgbClr val="1D1C1D"/>
+                                </a:solidFill>
+                                <a:latin typeface="Cambria Math" panose="02040503050406030204" pitchFamily="18" charset="0"/>
+                              </a:rPr>
+                            </m:ctrlPr>
+                          </m:sSubPr>
+                          <m:e>
+                            <m:r>
+                              <a:rPr lang="en-CA" sz="2800" b="0" i="1" smtClean="0">
+                                <a:solidFill>
+                                  <a:srgbClr val="1D1C1D"/>
+                                </a:solidFill>
+                                <a:latin typeface="Cambria Math" panose="02040503050406030204" pitchFamily="18" charset="0"/>
+                              </a:rPr>
+                              <m:t>𝑋</m:t>
+                            </m:r>
+                          </m:e>
+                          <m:sub>
+                            <m:r>
+                              <a:rPr lang="en-CA" sz="2800" b="0" i="1" smtClean="0">
+                                <a:solidFill>
+                                  <a:srgbClr val="1D1C1D"/>
+                                </a:solidFill>
+                                <a:latin typeface="Cambria Math" panose="02040503050406030204" pitchFamily="18" charset="0"/>
+                              </a:rPr>
+                              <m:t>𝑖</m:t>
+                            </m:r>
+                          </m:sub>
+                        </m:sSub>
+                        <m:sSub>
+                          <m:sSubPr>
+                            <m:ctrlPr>
+                              <a:rPr lang="en-CA" sz="2800" b="0" i="1" smtClean="0">
+                                <a:solidFill>
+                                  <a:srgbClr val="1D1C1D"/>
+                                </a:solidFill>
+                                <a:latin typeface="Cambria Math" panose="02040503050406030204" pitchFamily="18" charset="0"/>
+                              </a:rPr>
+                            </m:ctrlPr>
+                          </m:sSubPr>
+                          <m:e>
+                            <m:r>
+                              <a:rPr lang="en-CA" sz="2800" b="0" i="1" smtClean="0">
+                                <a:solidFill>
+                                  <a:srgbClr val="1D1C1D"/>
+                                </a:solidFill>
+                                <a:latin typeface="Cambria Math" panose="02040503050406030204" pitchFamily="18" charset="0"/>
+                              </a:rPr>
+                              <m:t>𝑋</m:t>
+                            </m:r>
+                          </m:e>
+                          <m:sub>
+                            <m:r>
+                              <a:rPr lang="en-CA" sz="2800" b="0" i="1" smtClean="0">
+                                <a:solidFill>
+                                  <a:srgbClr val="1D1C1D"/>
+                                </a:solidFill>
+                                <a:latin typeface="Cambria Math" panose="02040503050406030204" pitchFamily="18" charset="0"/>
+                              </a:rPr>
+                              <m:t>𝑖</m:t>
+                            </m:r>
+                            <m:r>
+                              <a:rPr lang="en-CA" sz="2800" b="0" i="1" smtClean="0">
+                                <a:solidFill>
+                                  <a:srgbClr val="1D1C1D"/>
+                                </a:solidFill>
+                                <a:latin typeface="Cambria Math" panose="02040503050406030204" pitchFamily="18" charset="0"/>
+                              </a:rPr>
+                              <m:t>+1</m:t>
+                            </m:r>
+                          </m:sub>
+                        </m:sSub>
+                        <m:r>
+                          <a:rPr lang="en-CA" sz="2800" b="0" i="1" smtClean="0">
+                            <a:solidFill>
+                              <a:srgbClr val="1D1C1D"/>
+                            </a:solidFill>
+                            <a:latin typeface="Cambria Math" panose="02040503050406030204" pitchFamily="18" charset="0"/>
+                          </a:rPr>
+                          <m:t>+</m:t>
+                        </m:r>
+                        <m:sSub>
+                          <m:sSubPr>
+                            <m:ctrlPr>
+                              <a:rPr lang="en-CA" sz="2800" b="0" i="1" smtClean="0">
+                                <a:solidFill>
+                                  <a:srgbClr val="1D1C1D"/>
+                                </a:solidFill>
+                                <a:latin typeface="Cambria Math" panose="02040503050406030204" pitchFamily="18" charset="0"/>
+                              </a:rPr>
+                            </m:ctrlPr>
+                          </m:sSubPr>
+                          <m:e>
+                            <m:r>
+                              <a:rPr lang="en-CA" sz="2800" b="0" i="1" smtClean="0">
+                                <a:solidFill>
+                                  <a:srgbClr val="1D1C1D"/>
+                                </a:solidFill>
+                                <a:latin typeface="Cambria Math" panose="02040503050406030204" pitchFamily="18" charset="0"/>
+                              </a:rPr>
+                              <m:t>𝑌</m:t>
+                            </m:r>
+                          </m:e>
+                          <m:sub>
+                            <m:r>
+                              <a:rPr lang="en-CA" sz="2800" b="0" i="1" smtClean="0">
+                                <a:solidFill>
+                                  <a:srgbClr val="1D1C1D"/>
+                                </a:solidFill>
+                                <a:latin typeface="Cambria Math" panose="02040503050406030204" pitchFamily="18" charset="0"/>
+                              </a:rPr>
+                              <m:t>𝑖</m:t>
+                            </m:r>
+                          </m:sub>
+                        </m:sSub>
+                        <m:sSub>
+                          <m:sSubPr>
+                            <m:ctrlPr>
+                              <a:rPr lang="en-CA" sz="2800" b="0" i="1" smtClean="0">
+                                <a:solidFill>
+                                  <a:srgbClr val="1D1C1D"/>
+                                </a:solidFill>
+                                <a:latin typeface="Cambria Math" panose="02040503050406030204" pitchFamily="18" charset="0"/>
+                              </a:rPr>
+                            </m:ctrlPr>
+                          </m:sSubPr>
+                          <m:e>
+                            <m:r>
+                              <a:rPr lang="en-CA" sz="2800" b="0" i="1" smtClean="0">
+                                <a:solidFill>
+                                  <a:srgbClr val="1D1C1D"/>
+                                </a:solidFill>
+                                <a:latin typeface="Cambria Math" panose="02040503050406030204" pitchFamily="18" charset="0"/>
+                              </a:rPr>
+                              <m:t>𝑌</m:t>
+                            </m:r>
+                          </m:e>
+                          <m:sub>
+                            <m:r>
+                              <a:rPr lang="en-CA" sz="2800" b="0" i="1" smtClean="0">
+                                <a:solidFill>
+                                  <a:srgbClr val="1D1C1D"/>
+                                </a:solidFill>
+                                <a:latin typeface="Cambria Math" panose="02040503050406030204" pitchFamily="18" charset="0"/>
+                              </a:rPr>
+                              <m:t>𝑖</m:t>
+                            </m:r>
+                            <m:r>
+                              <a:rPr lang="en-CA" sz="2800" b="0" i="1" smtClean="0">
+                                <a:solidFill>
+                                  <a:srgbClr val="1D1C1D"/>
+                                </a:solidFill>
+                                <a:latin typeface="Cambria Math" panose="02040503050406030204" pitchFamily="18" charset="0"/>
+                              </a:rPr>
+                              <m:t>+1</m:t>
+                            </m:r>
+                          </m:sub>
+                        </m:sSub>
+                        <m:r>
+                          <a:rPr lang="en-CA" sz="2800" b="0" i="1" smtClean="0">
+                            <a:solidFill>
+                              <a:srgbClr val="1D1C1D"/>
+                            </a:solidFill>
+                            <a:latin typeface="Cambria Math" panose="02040503050406030204" pitchFamily="18" charset="0"/>
+                          </a:rPr>
+                          <m:t>+</m:t>
+                        </m:r>
+                        <m:sSub>
+                          <m:sSubPr>
+                            <m:ctrlPr>
+                              <a:rPr lang="en-CA" sz="2800" b="0" i="1" smtClean="0">
+                                <a:solidFill>
+                                  <a:srgbClr val="1D1C1D"/>
+                                </a:solidFill>
+                                <a:latin typeface="Cambria Math" panose="02040503050406030204" pitchFamily="18" charset="0"/>
+                              </a:rPr>
+                            </m:ctrlPr>
+                          </m:sSubPr>
+                          <m:e>
+                            <m:r>
+                              <a:rPr lang="en-CA" sz="2800" b="0" i="1" smtClean="0">
+                                <a:solidFill>
+                                  <a:srgbClr val="1D1C1D"/>
+                                </a:solidFill>
+                                <a:latin typeface="Cambria Math" panose="02040503050406030204" pitchFamily="18" charset="0"/>
+                              </a:rPr>
+                              <m:t>𝑍</m:t>
+                            </m:r>
+                          </m:e>
+                          <m:sub>
+                            <m:r>
+                              <a:rPr lang="en-CA" sz="2800" b="0" i="1" smtClean="0">
+                                <a:solidFill>
+                                  <a:srgbClr val="1D1C1D"/>
+                                </a:solidFill>
+                                <a:latin typeface="Cambria Math" panose="02040503050406030204" pitchFamily="18" charset="0"/>
+                              </a:rPr>
+                              <m:t>𝑖</m:t>
+                            </m:r>
+                          </m:sub>
+                        </m:sSub>
+                        <m:sSub>
+                          <m:sSubPr>
+                            <m:ctrlPr>
+                              <a:rPr lang="en-CA" sz="2800" b="0" i="1" smtClean="0">
+                                <a:solidFill>
+                                  <a:srgbClr val="1D1C1D"/>
+                                </a:solidFill>
+                                <a:latin typeface="Cambria Math" panose="02040503050406030204" pitchFamily="18" charset="0"/>
+                              </a:rPr>
+                            </m:ctrlPr>
+                          </m:sSubPr>
+                          <m:e>
+                            <m:r>
+                              <a:rPr lang="en-CA" sz="2800" b="0" i="1" smtClean="0">
+                                <a:solidFill>
+                                  <a:srgbClr val="1D1C1D"/>
+                                </a:solidFill>
+                                <a:latin typeface="Cambria Math" panose="02040503050406030204" pitchFamily="18" charset="0"/>
+                              </a:rPr>
+                              <m:t>𝑍</m:t>
+                            </m:r>
+                          </m:e>
+                          <m:sub>
+                            <m:r>
+                              <a:rPr lang="en-CA" sz="2800" b="0" i="1" smtClean="0">
+                                <a:solidFill>
+                                  <a:srgbClr val="1D1C1D"/>
+                                </a:solidFill>
+                                <a:latin typeface="Cambria Math" panose="02040503050406030204" pitchFamily="18" charset="0"/>
+                              </a:rPr>
+                              <m:t>𝑖</m:t>
+                            </m:r>
+                            <m:r>
+                              <a:rPr lang="en-CA" sz="2800" b="0" i="1" smtClean="0">
+                                <a:solidFill>
+                                  <a:srgbClr val="1D1C1D"/>
+                                </a:solidFill>
+                                <a:latin typeface="Cambria Math" panose="02040503050406030204" pitchFamily="18" charset="0"/>
+                              </a:rPr>
+                              <m:t>+1</m:t>
+                            </m:r>
+                          </m:sub>
+                        </m:sSub>
+                      </m:e>
+                    </m:nary>
+                  </m:oMath>
+                </a14:m>
+                <a:endParaRPr lang="en-US" sz="2800" dirty="0"/>
+              </a:p>
+              <a:p>
+                <a:pPr marL="457200" indent="-457200">
+                  <a:lnSpc>
+                    <a:spcPct val="150000"/>
+                  </a:lnSpc>
+                  <a:buFont typeface="Arial" panose="020B0604020202020204" pitchFamily="34" charset="0"/>
+                  <a:buChar char="•"/>
+                </a:pPr>
+                <a:r>
+                  <a:rPr lang="en-US" sz="2800" dirty="0"/>
+                  <a:t>3000 parameters</a:t>
+                </a:r>
+              </a:p>
+              <a:p>
+                <a:pPr marL="457200" indent="-457200">
+                  <a:lnSpc>
+                    <a:spcPct val="150000"/>
+                  </a:lnSpc>
+                  <a:buFont typeface="Arial" panose="020B0604020202020204" pitchFamily="34" charset="0"/>
+                  <a:buChar char="•"/>
+                </a:pPr>
+                <a:r>
+                  <a:rPr lang="en-US" sz="2800" dirty="0"/>
+                  <a:t>Prune down to 1500 parameters</a:t>
+                </a:r>
+              </a:p>
+            </p:txBody>
+          </p:sp>
+        </mc:Choice>
+        <mc:Fallback>
+          <p:sp>
+            <p:nvSpPr>
+              <p:cNvPr id="20" name="Rectangle 19">
+                <a:extLst>
+                  <a:ext uri="{FF2B5EF4-FFF2-40B4-BE49-F238E27FC236}">
+                    <a16:creationId xmlns:a16="http://schemas.microsoft.com/office/drawing/2014/main" id="{83592C36-A2C2-4974-B1C2-D22C0104B7C2}"/>
+                  </a:ext>
+                </a:extLst>
+              </p:cNvPr>
+              <p:cNvSpPr>
+                <a:spLocks noRot="1" noChangeAspect="1" noMove="1" noResize="1" noEditPoints="1" noAdjustHandles="1" noChangeArrowheads="1" noChangeShapeType="1" noTextEdit="1"/>
+              </p:cNvSpPr>
+              <p:nvPr/>
+            </p:nvSpPr>
+            <p:spPr>
+              <a:xfrm>
+                <a:off x="304799" y="230693"/>
+                <a:ext cx="10810043" cy="3334118"/>
+              </a:xfrm>
+              <a:prstGeom prst="rect">
+                <a:avLst/>
+              </a:prstGeom>
+              <a:blipFill>
+                <a:blip r:embed="rId4"/>
+                <a:stretch>
+                  <a:fillRect l="-1015" b="-4205"/>
+                </a:stretch>
+              </a:blipFill>
+            </p:spPr>
+            <p:txBody>
+              <a:bodyPr/>
+              <a:lstStyle/>
+              <a:p>
+                <a:r>
+                  <a:rPr lang="en-CA">
+                    <a:noFill/>
+                  </a:rPr>
+                  <a:t> </a:t>
+                </a:r>
+              </a:p>
+            </p:txBody>
+          </p:sp>
+        </mc:Fallback>
+      </mc:AlternateContent>
     </p:spTree>
     <p:extLst>
       <p:ext uri="{BB962C8B-B14F-4D97-AF65-F5344CB8AC3E}">
@@ -6760,992 +7541,12 @@
           <a:chExt cx="0" cy="0"/>
         </a:xfrm>
       </p:grpSpPr>
-      <p:grpSp>
-        <p:nvGrpSpPr>
-          <p:cNvPr id="58" name="Group 57">
-            <a:extLst>
-              <a:ext uri="{FF2B5EF4-FFF2-40B4-BE49-F238E27FC236}">
-                <a16:creationId xmlns:a16="http://schemas.microsoft.com/office/drawing/2014/main" id="{18663A7F-846D-4E12-B982-D517B66C8E26}"/>
-              </a:ext>
-            </a:extLst>
-          </p:cNvPr>
-          <p:cNvGrpSpPr/>
-          <p:nvPr/>
-        </p:nvGrpSpPr>
-        <p:grpSpPr>
-          <a:xfrm>
-            <a:off x="4320711" y="5425440"/>
-            <a:ext cx="1621059" cy="914400"/>
-            <a:chOff x="5289105" y="484371"/>
-            <a:chExt cx="1673669" cy="914400"/>
-          </a:xfrm>
-        </p:grpSpPr>
-        <p:sp>
-          <p:nvSpPr>
-            <p:cNvPr id="59" name="Rectangle: Rounded Corners 58">
-              <a:extLst>
-                <a:ext uri="{FF2B5EF4-FFF2-40B4-BE49-F238E27FC236}">
-                  <a16:creationId xmlns:a16="http://schemas.microsoft.com/office/drawing/2014/main" id="{31CF8E56-9D48-4A4C-8621-EAECAE3D69C2}"/>
-                </a:ext>
-              </a:extLst>
-            </p:cNvPr>
-            <p:cNvSpPr/>
-            <p:nvPr/>
-          </p:nvSpPr>
-          <p:spPr>
-            <a:xfrm>
-              <a:off x="5289105" y="484371"/>
-              <a:ext cx="1666875" cy="914400"/>
-            </a:xfrm>
-            <a:prstGeom prst="roundRect">
-              <a:avLst/>
-            </a:prstGeom>
-            <a:solidFill>
-              <a:schemeClr val="bg1"/>
-            </a:solidFill>
-            <a:ln w="19050">
-              <a:solidFill>
-                <a:schemeClr val="tx1"/>
-              </a:solidFill>
-            </a:ln>
-          </p:spPr>
-          <p:style>
-            <a:lnRef idx="2">
-              <a:schemeClr val="accent1">
-                <a:shade val="50000"/>
-              </a:schemeClr>
-            </a:lnRef>
-            <a:fillRef idx="1">
-              <a:schemeClr val="accent1"/>
-            </a:fillRef>
-            <a:effectRef idx="0">
-              <a:schemeClr val="accent1"/>
-            </a:effectRef>
-            <a:fontRef idx="minor">
-              <a:schemeClr val="lt1"/>
-            </a:fontRef>
-          </p:style>
-          <p:txBody>
-            <a:bodyPr rtlCol="0" anchor="ctr"/>
-            <a:lstStyle/>
-            <a:p>
-              <a:pPr algn="ctr"/>
-              <a:endParaRPr lang="en-CA"/>
-            </a:p>
-          </p:txBody>
-        </p:sp>
-        <p:sp>
-          <p:nvSpPr>
-            <p:cNvPr id="60" name="Freeform: Shape 59">
-              <a:extLst>
-                <a:ext uri="{FF2B5EF4-FFF2-40B4-BE49-F238E27FC236}">
-                  <a16:creationId xmlns:a16="http://schemas.microsoft.com/office/drawing/2014/main" id="{F3E71632-15FD-4BA5-AC4B-64EEA197CD25}"/>
-                </a:ext>
-              </a:extLst>
-            </p:cNvPr>
-            <p:cNvSpPr/>
-            <p:nvPr/>
-          </p:nvSpPr>
-          <p:spPr>
-            <a:xfrm>
-              <a:off x="5295899" y="572770"/>
-              <a:ext cx="1666875" cy="208280"/>
-            </a:xfrm>
-            <a:custGeom>
-              <a:avLst/>
-              <a:gdLst>
-                <a:gd name="connsiteX0" fmla="*/ 0 w 457200"/>
-                <a:gd name="connsiteY0" fmla="*/ 190936 h 190936"/>
-                <a:gd name="connsiteX1" fmla="*/ 28575 w 457200"/>
-                <a:gd name="connsiteY1" fmla="*/ 86161 h 190936"/>
-                <a:gd name="connsiteX2" fmla="*/ 76200 w 457200"/>
-                <a:gd name="connsiteY2" fmla="*/ 9961 h 190936"/>
-                <a:gd name="connsiteX3" fmla="*/ 133350 w 457200"/>
-                <a:gd name="connsiteY3" fmla="*/ 9961 h 190936"/>
-                <a:gd name="connsiteX4" fmla="*/ 171450 w 457200"/>
-                <a:gd name="connsiteY4" fmla="*/ 67111 h 190936"/>
-                <a:gd name="connsiteX5" fmla="*/ 247650 w 457200"/>
-                <a:gd name="connsiteY5" fmla="*/ 162361 h 190936"/>
-                <a:gd name="connsiteX6" fmla="*/ 304800 w 457200"/>
-                <a:gd name="connsiteY6" fmla="*/ 38536 h 190936"/>
-                <a:gd name="connsiteX7" fmla="*/ 361950 w 457200"/>
-                <a:gd name="connsiteY7" fmla="*/ 436 h 190936"/>
-                <a:gd name="connsiteX8" fmla="*/ 419100 w 457200"/>
-                <a:gd name="connsiteY8" fmla="*/ 57586 h 190936"/>
-                <a:gd name="connsiteX9" fmla="*/ 428625 w 457200"/>
-                <a:gd name="connsiteY9" fmla="*/ 152836 h 190936"/>
-                <a:gd name="connsiteX10" fmla="*/ 457200 w 457200"/>
-                <a:gd name="connsiteY10" fmla="*/ 171886 h 190936"/>
-              </a:gdLst>
-              <a:ahLst/>
-              <a:cxnLst>
-                <a:cxn ang="0">
-                  <a:pos x="connsiteX0" y="connsiteY0"/>
-                </a:cxn>
-                <a:cxn ang="0">
-                  <a:pos x="connsiteX1" y="connsiteY1"/>
-                </a:cxn>
-                <a:cxn ang="0">
-                  <a:pos x="connsiteX2" y="connsiteY2"/>
-                </a:cxn>
-                <a:cxn ang="0">
-                  <a:pos x="connsiteX3" y="connsiteY3"/>
-                </a:cxn>
-                <a:cxn ang="0">
-                  <a:pos x="connsiteX4" y="connsiteY4"/>
-                </a:cxn>
-                <a:cxn ang="0">
-                  <a:pos x="connsiteX5" y="connsiteY5"/>
-                </a:cxn>
-                <a:cxn ang="0">
-                  <a:pos x="connsiteX6" y="connsiteY6"/>
-                </a:cxn>
-                <a:cxn ang="0">
-                  <a:pos x="connsiteX7" y="connsiteY7"/>
-                </a:cxn>
-                <a:cxn ang="0">
-                  <a:pos x="connsiteX8" y="connsiteY8"/>
-                </a:cxn>
-                <a:cxn ang="0">
-                  <a:pos x="connsiteX9" y="connsiteY9"/>
-                </a:cxn>
-                <a:cxn ang="0">
-                  <a:pos x="connsiteX10" y="connsiteY10"/>
-                </a:cxn>
-              </a:cxnLst>
-              <a:rect l="l" t="t" r="r" b="b"/>
-              <a:pathLst>
-                <a:path w="457200" h="190936">
-                  <a:moveTo>
-                    <a:pt x="0" y="190936"/>
-                  </a:moveTo>
-                  <a:cubicBezTo>
-                    <a:pt x="7937" y="153629"/>
-                    <a:pt x="15875" y="116323"/>
-                    <a:pt x="28575" y="86161"/>
-                  </a:cubicBezTo>
-                  <a:cubicBezTo>
-                    <a:pt x="41275" y="55998"/>
-                    <a:pt x="58738" y="22661"/>
-                    <a:pt x="76200" y="9961"/>
-                  </a:cubicBezTo>
-                  <a:cubicBezTo>
-                    <a:pt x="93663" y="-2739"/>
-                    <a:pt x="117475" y="436"/>
-                    <a:pt x="133350" y="9961"/>
-                  </a:cubicBezTo>
-                  <a:cubicBezTo>
-                    <a:pt x="149225" y="19486"/>
-                    <a:pt x="152400" y="41711"/>
-                    <a:pt x="171450" y="67111"/>
-                  </a:cubicBezTo>
-                  <a:cubicBezTo>
-                    <a:pt x="190500" y="92511"/>
-                    <a:pt x="225425" y="167123"/>
-                    <a:pt x="247650" y="162361"/>
-                  </a:cubicBezTo>
-                  <a:cubicBezTo>
-                    <a:pt x="269875" y="157598"/>
-                    <a:pt x="285750" y="65523"/>
-                    <a:pt x="304800" y="38536"/>
-                  </a:cubicBezTo>
-                  <a:cubicBezTo>
-                    <a:pt x="323850" y="11549"/>
-                    <a:pt x="342900" y="-2739"/>
-                    <a:pt x="361950" y="436"/>
-                  </a:cubicBezTo>
-                  <a:cubicBezTo>
-                    <a:pt x="381000" y="3611"/>
-                    <a:pt x="407988" y="32186"/>
-                    <a:pt x="419100" y="57586"/>
-                  </a:cubicBezTo>
-                  <a:cubicBezTo>
-                    <a:pt x="430212" y="82986"/>
-                    <a:pt x="428625" y="152836"/>
-                    <a:pt x="428625" y="152836"/>
-                  </a:cubicBezTo>
-                  <a:cubicBezTo>
-                    <a:pt x="434975" y="171886"/>
-                    <a:pt x="436563" y="195698"/>
-                    <a:pt x="457200" y="171886"/>
-                  </a:cubicBezTo>
-                </a:path>
-              </a:pathLst>
-            </a:custGeom>
-            <a:noFill/>
-            <a:ln>
-              <a:solidFill>
-                <a:srgbClr val="00B0F0"/>
-              </a:solidFill>
-            </a:ln>
-          </p:spPr>
-          <p:style>
-            <a:lnRef idx="2">
-              <a:schemeClr val="accent1">
-                <a:shade val="50000"/>
-              </a:schemeClr>
-            </a:lnRef>
-            <a:fillRef idx="1">
-              <a:schemeClr val="accent1"/>
-            </a:fillRef>
-            <a:effectRef idx="0">
-              <a:schemeClr val="accent1"/>
-            </a:effectRef>
-            <a:fontRef idx="minor">
-              <a:schemeClr val="lt1"/>
-            </a:fontRef>
-          </p:style>
-          <p:txBody>
-            <a:bodyPr rtlCol="0" anchor="ctr"/>
-            <a:lstStyle/>
-            <a:p>
-              <a:pPr algn="ctr"/>
-              <a:endParaRPr lang="en-CA"/>
-            </a:p>
-          </p:txBody>
-        </p:sp>
-      </p:grpSp>
-      <p:grpSp>
-        <p:nvGrpSpPr>
-          <p:cNvPr id="62" name="Group 61">
-            <a:extLst>
-              <a:ext uri="{FF2B5EF4-FFF2-40B4-BE49-F238E27FC236}">
-                <a16:creationId xmlns:a16="http://schemas.microsoft.com/office/drawing/2014/main" id="{277A6825-8FC6-45F3-B2DE-19A34D205EAC}"/>
-              </a:ext>
-            </a:extLst>
-          </p:cNvPr>
-          <p:cNvGrpSpPr/>
-          <p:nvPr/>
-        </p:nvGrpSpPr>
-        <p:grpSpPr>
-          <a:xfrm>
-            <a:off x="6444151" y="5425440"/>
-            <a:ext cx="1621059" cy="914400"/>
-            <a:chOff x="5289105" y="484371"/>
-            <a:chExt cx="1673669" cy="914400"/>
-          </a:xfrm>
-        </p:grpSpPr>
-        <p:sp>
-          <p:nvSpPr>
-            <p:cNvPr id="63" name="Rectangle: Rounded Corners 62">
-              <a:extLst>
-                <a:ext uri="{FF2B5EF4-FFF2-40B4-BE49-F238E27FC236}">
-                  <a16:creationId xmlns:a16="http://schemas.microsoft.com/office/drawing/2014/main" id="{0BC24806-BC82-48C2-A7ED-E91E658FE08D}"/>
-                </a:ext>
-              </a:extLst>
-            </p:cNvPr>
-            <p:cNvSpPr/>
-            <p:nvPr/>
-          </p:nvSpPr>
-          <p:spPr>
-            <a:xfrm>
-              <a:off x="5289105" y="484371"/>
-              <a:ext cx="1666875" cy="914400"/>
-            </a:xfrm>
-            <a:prstGeom prst="roundRect">
-              <a:avLst/>
-            </a:prstGeom>
-            <a:solidFill>
-              <a:schemeClr val="bg1"/>
-            </a:solidFill>
-            <a:ln w="19050">
-              <a:solidFill>
-                <a:schemeClr val="tx1"/>
-              </a:solidFill>
-            </a:ln>
-          </p:spPr>
-          <p:style>
-            <a:lnRef idx="2">
-              <a:schemeClr val="accent1">
-                <a:shade val="50000"/>
-              </a:schemeClr>
-            </a:lnRef>
-            <a:fillRef idx="1">
-              <a:schemeClr val="accent1"/>
-            </a:fillRef>
-            <a:effectRef idx="0">
-              <a:schemeClr val="accent1"/>
-            </a:effectRef>
-            <a:fontRef idx="minor">
-              <a:schemeClr val="lt1"/>
-            </a:fontRef>
-          </p:style>
-          <p:txBody>
-            <a:bodyPr rtlCol="0" anchor="ctr"/>
-            <a:lstStyle/>
-            <a:p>
-              <a:pPr algn="ctr"/>
-              <a:endParaRPr lang="en-CA" dirty="0"/>
-            </a:p>
-          </p:txBody>
-        </p:sp>
-        <p:sp>
-          <p:nvSpPr>
-            <p:cNvPr id="64" name="Freeform: Shape 63">
-              <a:extLst>
-                <a:ext uri="{FF2B5EF4-FFF2-40B4-BE49-F238E27FC236}">
-                  <a16:creationId xmlns:a16="http://schemas.microsoft.com/office/drawing/2014/main" id="{3BEF9D39-3606-4F01-9032-D8591542D386}"/>
-                </a:ext>
-              </a:extLst>
-            </p:cNvPr>
-            <p:cNvSpPr/>
-            <p:nvPr/>
-          </p:nvSpPr>
-          <p:spPr>
-            <a:xfrm>
-              <a:off x="5295899" y="572770"/>
-              <a:ext cx="1666875" cy="208280"/>
-            </a:xfrm>
-            <a:custGeom>
-              <a:avLst/>
-              <a:gdLst>
-                <a:gd name="connsiteX0" fmla="*/ 0 w 457200"/>
-                <a:gd name="connsiteY0" fmla="*/ 190936 h 190936"/>
-                <a:gd name="connsiteX1" fmla="*/ 28575 w 457200"/>
-                <a:gd name="connsiteY1" fmla="*/ 86161 h 190936"/>
-                <a:gd name="connsiteX2" fmla="*/ 76200 w 457200"/>
-                <a:gd name="connsiteY2" fmla="*/ 9961 h 190936"/>
-                <a:gd name="connsiteX3" fmla="*/ 133350 w 457200"/>
-                <a:gd name="connsiteY3" fmla="*/ 9961 h 190936"/>
-                <a:gd name="connsiteX4" fmla="*/ 171450 w 457200"/>
-                <a:gd name="connsiteY4" fmla="*/ 67111 h 190936"/>
-                <a:gd name="connsiteX5" fmla="*/ 247650 w 457200"/>
-                <a:gd name="connsiteY5" fmla="*/ 162361 h 190936"/>
-                <a:gd name="connsiteX6" fmla="*/ 304800 w 457200"/>
-                <a:gd name="connsiteY6" fmla="*/ 38536 h 190936"/>
-                <a:gd name="connsiteX7" fmla="*/ 361950 w 457200"/>
-                <a:gd name="connsiteY7" fmla="*/ 436 h 190936"/>
-                <a:gd name="connsiteX8" fmla="*/ 419100 w 457200"/>
-                <a:gd name="connsiteY8" fmla="*/ 57586 h 190936"/>
-                <a:gd name="connsiteX9" fmla="*/ 428625 w 457200"/>
-                <a:gd name="connsiteY9" fmla="*/ 152836 h 190936"/>
-                <a:gd name="connsiteX10" fmla="*/ 457200 w 457200"/>
-                <a:gd name="connsiteY10" fmla="*/ 171886 h 190936"/>
-              </a:gdLst>
-              <a:ahLst/>
-              <a:cxnLst>
-                <a:cxn ang="0">
-                  <a:pos x="connsiteX0" y="connsiteY0"/>
-                </a:cxn>
-                <a:cxn ang="0">
-                  <a:pos x="connsiteX1" y="connsiteY1"/>
-                </a:cxn>
-                <a:cxn ang="0">
-                  <a:pos x="connsiteX2" y="connsiteY2"/>
-                </a:cxn>
-                <a:cxn ang="0">
-                  <a:pos x="connsiteX3" y="connsiteY3"/>
-                </a:cxn>
-                <a:cxn ang="0">
-                  <a:pos x="connsiteX4" y="connsiteY4"/>
-                </a:cxn>
-                <a:cxn ang="0">
-                  <a:pos x="connsiteX5" y="connsiteY5"/>
-                </a:cxn>
-                <a:cxn ang="0">
-                  <a:pos x="connsiteX6" y="connsiteY6"/>
-                </a:cxn>
-                <a:cxn ang="0">
-                  <a:pos x="connsiteX7" y="connsiteY7"/>
-                </a:cxn>
-                <a:cxn ang="0">
-                  <a:pos x="connsiteX8" y="connsiteY8"/>
-                </a:cxn>
-                <a:cxn ang="0">
-                  <a:pos x="connsiteX9" y="connsiteY9"/>
-                </a:cxn>
-                <a:cxn ang="0">
-                  <a:pos x="connsiteX10" y="connsiteY10"/>
-                </a:cxn>
-              </a:cxnLst>
-              <a:rect l="l" t="t" r="r" b="b"/>
-              <a:pathLst>
-                <a:path w="457200" h="190936">
-                  <a:moveTo>
-                    <a:pt x="0" y="190936"/>
-                  </a:moveTo>
-                  <a:cubicBezTo>
-                    <a:pt x="7937" y="153629"/>
-                    <a:pt x="15875" y="116323"/>
-                    <a:pt x="28575" y="86161"/>
-                  </a:cubicBezTo>
-                  <a:cubicBezTo>
-                    <a:pt x="41275" y="55998"/>
-                    <a:pt x="58738" y="22661"/>
-                    <a:pt x="76200" y="9961"/>
-                  </a:cubicBezTo>
-                  <a:cubicBezTo>
-                    <a:pt x="93663" y="-2739"/>
-                    <a:pt x="117475" y="436"/>
-                    <a:pt x="133350" y="9961"/>
-                  </a:cubicBezTo>
-                  <a:cubicBezTo>
-                    <a:pt x="149225" y="19486"/>
-                    <a:pt x="152400" y="41711"/>
-                    <a:pt x="171450" y="67111"/>
-                  </a:cubicBezTo>
-                  <a:cubicBezTo>
-                    <a:pt x="190500" y="92511"/>
-                    <a:pt x="225425" y="167123"/>
-                    <a:pt x="247650" y="162361"/>
-                  </a:cubicBezTo>
-                  <a:cubicBezTo>
-                    <a:pt x="269875" y="157598"/>
-                    <a:pt x="285750" y="65523"/>
-                    <a:pt x="304800" y="38536"/>
-                  </a:cubicBezTo>
-                  <a:cubicBezTo>
-                    <a:pt x="323850" y="11549"/>
-                    <a:pt x="342900" y="-2739"/>
-                    <a:pt x="361950" y="436"/>
-                  </a:cubicBezTo>
-                  <a:cubicBezTo>
-                    <a:pt x="381000" y="3611"/>
-                    <a:pt x="407988" y="32186"/>
-                    <a:pt x="419100" y="57586"/>
-                  </a:cubicBezTo>
-                  <a:cubicBezTo>
-                    <a:pt x="430212" y="82986"/>
-                    <a:pt x="428625" y="152836"/>
-                    <a:pt x="428625" y="152836"/>
-                  </a:cubicBezTo>
-                  <a:cubicBezTo>
-                    <a:pt x="434975" y="171886"/>
-                    <a:pt x="436563" y="195698"/>
-                    <a:pt x="457200" y="171886"/>
-                  </a:cubicBezTo>
-                </a:path>
-              </a:pathLst>
-            </a:custGeom>
-            <a:noFill/>
-            <a:ln>
-              <a:solidFill>
-                <a:srgbClr val="00B0F0"/>
-              </a:solidFill>
-            </a:ln>
-          </p:spPr>
-          <p:style>
-            <a:lnRef idx="2">
-              <a:schemeClr val="accent1">
-                <a:shade val="50000"/>
-              </a:schemeClr>
-            </a:lnRef>
-            <a:fillRef idx="1">
-              <a:schemeClr val="accent1"/>
-            </a:fillRef>
-            <a:effectRef idx="0">
-              <a:schemeClr val="accent1"/>
-            </a:effectRef>
-            <a:fontRef idx="minor">
-              <a:schemeClr val="lt1"/>
-            </a:fontRef>
-          </p:style>
-          <p:txBody>
-            <a:bodyPr rtlCol="0" anchor="ctr"/>
-            <a:lstStyle/>
-            <a:p>
-              <a:pPr algn="ctr"/>
-              <a:endParaRPr lang="en-CA"/>
-            </a:p>
-          </p:txBody>
-        </p:sp>
-      </p:grpSp>
-      <p:grpSp>
-        <p:nvGrpSpPr>
-          <p:cNvPr id="65" name="Group 64">
-            <a:extLst>
-              <a:ext uri="{FF2B5EF4-FFF2-40B4-BE49-F238E27FC236}">
-                <a16:creationId xmlns:a16="http://schemas.microsoft.com/office/drawing/2014/main" id="{77BF8087-A766-47FA-B6D2-DDF31ED1DAA0}"/>
-              </a:ext>
-            </a:extLst>
-          </p:cNvPr>
-          <p:cNvGrpSpPr/>
-          <p:nvPr/>
-        </p:nvGrpSpPr>
-        <p:grpSpPr>
-          <a:xfrm>
-            <a:off x="8567591" y="5425440"/>
-            <a:ext cx="1621059" cy="914400"/>
-            <a:chOff x="5289105" y="484371"/>
-            <a:chExt cx="1673669" cy="914400"/>
-          </a:xfrm>
-        </p:grpSpPr>
-        <p:sp>
-          <p:nvSpPr>
-            <p:cNvPr id="66" name="Rectangle: Rounded Corners 65">
-              <a:extLst>
-                <a:ext uri="{FF2B5EF4-FFF2-40B4-BE49-F238E27FC236}">
-                  <a16:creationId xmlns:a16="http://schemas.microsoft.com/office/drawing/2014/main" id="{A7ADEC1D-AA2F-4860-8DF8-B3B5B95C939A}"/>
-                </a:ext>
-              </a:extLst>
-            </p:cNvPr>
-            <p:cNvSpPr/>
-            <p:nvPr/>
-          </p:nvSpPr>
-          <p:spPr>
-            <a:xfrm>
-              <a:off x="5289105" y="484371"/>
-              <a:ext cx="1666875" cy="914400"/>
-            </a:xfrm>
-            <a:prstGeom prst="roundRect">
-              <a:avLst/>
-            </a:prstGeom>
-            <a:solidFill>
-              <a:schemeClr val="bg1"/>
-            </a:solidFill>
-            <a:ln w="19050">
-              <a:solidFill>
-                <a:schemeClr val="tx1"/>
-              </a:solidFill>
-            </a:ln>
-          </p:spPr>
-          <p:style>
-            <a:lnRef idx="2">
-              <a:schemeClr val="accent1">
-                <a:shade val="50000"/>
-              </a:schemeClr>
-            </a:lnRef>
-            <a:fillRef idx="1">
-              <a:schemeClr val="accent1"/>
-            </a:fillRef>
-            <a:effectRef idx="0">
-              <a:schemeClr val="accent1"/>
-            </a:effectRef>
-            <a:fontRef idx="minor">
-              <a:schemeClr val="lt1"/>
-            </a:fontRef>
-          </p:style>
-          <p:txBody>
-            <a:bodyPr rtlCol="0" anchor="ctr"/>
-            <a:lstStyle/>
-            <a:p>
-              <a:pPr algn="ctr"/>
-              <a:endParaRPr lang="en-CA"/>
-            </a:p>
-          </p:txBody>
-        </p:sp>
-        <p:sp>
-          <p:nvSpPr>
-            <p:cNvPr id="67" name="Freeform: Shape 66">
-              <a:extLst>
-                <a:ext uri="{FF2B5EF4-FFF2-40B4-BE49-F238E27FC236}">
-                  <a16:creationId xmlns:a16="http://schemas.microsoft.com/office/drawing/2014/main" id="{77A4EAD9-9BF7-4DE8-99BF-C606DB897FBC}"/>
-                </a:ext>
-              </a:extLst>
-            </p:cNvPr>
-            <p:cNvSpPr/>
-            <p:nvPr/>
-          </p:nvSpPr>
-          <p:spPr>
-            <a:xfrm>
-              <a:off x="5295899" y="572770"/>
-              <a:ext cx="1666875" cy="208280"/>
-            </a:xfrm>
-            <a:custGeom>
-              <a:avLst/>
-              <a:gdLst>
-                <a:gd name="connsiteX0" fmla="*/ 0 w 457200"/>
-                <a:gd name="connsiteY0" fmla="*/ 190936 h 190936"/>
-                <a:gd name="connsiteX1" fmla="*/ 28575 w 457200"/>
-                <a:gd name="connsiteY1" fmla="*/ 86161 h 190936"/>
-                <a:gd name="connsiteX2" fmla="*/ 76200 w 457200"/>
-                <a:gd name="connsiteY2" fmla="*/ 9961 h 190936"/>
-                <a:gd name="connsiteX3" fmla="*/ 133350 w 457200"/>
-                <a:gd name="connsiteY3" fmla="*/ 9961 h 190936"/>
-                <a:gd name="connsiteX4" fmla="*/ 171450 w 457200"/>
-                <a:gd name="connsiteY4" fmla="*/ 67111 h 190936"/>
-                <a:gd name="connsiteX5" fmla="*/ 247650 w 457200"/>
-                <a:gd name="connsiteY5" fmla="*/ 162361 h 190936"/>
-                <a:gd name="connsiteX6" fmla="*/ 304800 w 457200"/>
-                <a:gd name="connsiteY6" fmla="*/ 38536 h 190936"/>
-                <a:gd name="connsiteX7" fmla="*/ 361950 w 457200"/>
-                <a:gd name="connsiteY7" fmla="*/ 436 h 190936"/>
-                <a:gd name="connsiteX8" fmla="*/ 419100 w 457200"/>
-                <a:gd name="connsiteY8" fmla="*/ 57586 h 190936"/>
-                <a:gd name="connsiteX9" fmla="*/ 428625 w 457200"/>
-                <a:gd name="connsiteY9" fmla="*/ 152836 h 190936"/>
-                <a:gd name="connsiteX10" fmla="*/ 457200 w 457200"/>
-                <a:gd name="connsiteY10" fmla="*/ 171886 h 190936"/>
-              </a:gdLst>
-              <a:ahLst/>
-              <a:cxnLst>
-                <a:cxn ang="0">
-                  <a:pos x="connsiteX0" y="connsiteY0"/>
-                </a:cxn>
-                <a:cxn ang="0">
-                  <a:pos x="connsiteX1" y="connsiteY1"/>
-                </a:cxn>
-                <a:cxn ang="0">
-                  <a:pos x="connsiteX2" y="connsiteY2"/>
-                </a:cxn>
-                <a:cxn ang="0">
-                  <a:pos x="connsiteX3" y="connsiteY3"/>
-                </a:cxn>
-                <a:cxn ang="0">
-                  <a:pos x="connsiteX4" y="connsiteY4"/>
-                </a:cxn>
-                <a:cxn ang="0">
-                  <a:pos x="connsiteX5" y="connsiteY5"/>
-                </a:cxn>
-                <a:cxn ang="0">
-                  <a:pos x="connsiteX6" y="connsiteY6"/>
-                </a:cxn>
-                <a:cxn ang="0">
-                  <a:pos x="connsiteX7" y="connsiteY7"/>
-                </a:cxn>
-                <a:cxn ang="0">
-                  <a:pos x="connsiteX8" y="connsiteY8"/>
-                </a:cxn>
-                <a:cxn ang="0">
-                  <a:pos x="connsiteX9" y="connsiteY9"/>
-                </a:cxn>
-                <a:cxn ang="0">
-                  <a:pos x="connsiteX10" y="connsiteY10"/>
-                </a:cxn>
-              </a:cxnLst>
-              <a:rect l="l" t="t" r="r" b="b"/>
-              <a:pathLst>
-                <a:path w="457200" h="190936">
-                  <a:moveTo>
-                    <a:pt x="0" y="190936"/>
-                  </a:moveTo>
-                  <a:cubicBezTo>
-                    <a:pt x="7937" y="153629"/>
-                    <a:pt x="15875" y="116323"/>
-                    <a:pt x="28575" y="86161"/>
-                  </a:cubicBezTo>
-                  <a:cubicBezTo>
-                    <a:pt x="41275" y="55998"/>
-                    <a:pt x="58738" y="22661"/>
-                    <a:pt x="76200" y="9961"/>
-                  </a:cubicBezTo>
-                  <a:cubicBezTo>
-                    <a:pt x="93663" y="-2739"/>
-                    <a:pt x="117475" y="436"/>
-                    <a:pt x="133350" y="9961"/>
-                  </a:cubicBezTo>
-                  <a:cubicBezTo>
-                    <a:pt x="149225" y="19486"/>
-                    <a:pt x="152400" y="41711"/>
-                    <a:pt x="171450" y="67111"/>
-                  </a:cubicBezTo>
-                  <a:cubicBezTo>
-                    <a:pt x="190500" y="92511"/>
-                    <a:pt x="225425" y="167123"/>
-                    <a:pt x="247650" y="162361"/>
-                  </a:cubicBezTo>
-                  <a:cubicBezTo>
-                    <a:pt x="269875" y="157598"/>
-                    <a:pt x="285750" y="65523"/>
-                    <a:pt x="304800" y="38536"/>
-                  </a:cubicBezTo>
-                  <a:cubicBezTo>
-                    <a:pt x="323850" y="11549"/>
-                    <a:pt x="342900" y="-2739"/>
-                    <a:pt x="361950" y="436"/>
-                  </a:cubicBezTo>
-                  <a:cubicBezTo>
-                    <a:pt x="381000" y="3611"/>
-                    <a:pt x="407988" y="32186"/>
-                    <a:pt x="419100" y="57586"/>
-                  </a:cubicBezTo>
-                  <a:cubicBezTo>
-                    <a:pt x="430212" y="82986"/>
-                    <a:pt x="428625" y="152836"/>
-                    <a:pt x="428625" y="152836"/>
-                  </a:cubicBezTo>
-                  <a:cubicBezTo>
-                    <a:pt x="434975" y="171886"/>
-                    <a:pt x="436563" y="195698"/>
-                    <a:pt x="457200" y="171886"/>
-                  </a:cubicBezTo>
-                </a:path>
-              </a:pathLst>
-            </a:custGeom>
-            <a:noFill/>
-            <a:ln>
-              <a:solidFill>
-                <a:srgbClr val="00B0F0"/>
-              </a:solidFill>
-            </a:ln>
-          </p:spPr>
-          <p:style>
-            <a:lnRef idx="2">
-              <a:schemeClr val="accent1">
-                <a:shade val="50000"/>
-              </a:schemeClr>
-            </a:lnRef>
-            <a:fillRef idx="1">
-              <a:schemeClr val="accent1"/>
-            </a:fillRef>
-            <a:effectRef idx="0">
-              <a:schemeClr val="accent1"/>
-            </a:effectRef>
-            <a:fontRef idx="minor">
-              <a:schemeClr val="lt1"/>
-            </a:fontRef>
-          </p:style>
-          <p:txBody>
-            <a:bodyPr rtlCol="0" anchor="ctr"/>
-            <a:lstStyle/>
-            <a:p>
-              <a:pPr algn="ctr"/>
-              <a:endParaRPr lang="en-CA"/>
-            </a:p>
-          </p:txBody>
-        </p:sp>
-      </p:grpSp>
-      <p:grpSp>
-        <p:nvGrpSpPr>
-          <p:cNvPr id="54" name="Group 53">
-            <a:extLst>
-              <a:ext uri="{FF2B5EF4-FFF2-40B4-BE49-F238E27FC236}">
-                <a16:creationId xmlns:a16="http://schemas.microsoft.com/office/drawing/2014/main" id="{55231799-525D-450D-AB19-D99FCD951B39}"/>
-              </a:ext>
-            </a:extLst>
-          </p:cNvPr>
-          <p:cNvGrpSpPr/>
-          <p:nvPr/>
-        </p:nvGrpSpPr>
-        <p:grpSpPr>
-          <a:xfrm>
-            <a:off x="2197271" y="5425440"/>
-            <a:ext cx="1621059" cy="914400"/>
-            <a:chOff x="5289105" y="484371"/>
-            <a:chExt cx="1673669" cy="914400"/>
-          </a:xfrm>
-        </p:grpSpPr>
-        <p:sp>
-          <p:nvSpPr>
-            <p:cNvPr id="55" name="Rectangle: Rounded Corners 54">
-              <a:extLst>
-                <a:ext uri="{FF2B5EF4-FFF2-40B4-BE49-F238E27FC236}">
-                  <a16:creationId xmlns:a16="http://schemas.microsoft.com/office/drawing/2014/main" id="{3FE6FF4C-AE12-4A3E-89FE-5DAF2664C250}"/>
-                </a:ext>
-              </a:extLst>
-            </p:cNvPr>
-            <p:cNvSpPr/>
-            <p:nvPr/>
-          </p:nvSpPr>
-          <p:spPr>
-            <a:xfrm>
-              <a:off x="5289105" y="484371"/>
-              <a:ext cx="1666875" cy="914400"/>
-            </a:xfrm>
-            <a:prstGeom prst="roundRect">
-              <a:avLst/>
-            </a:prstGeom>
-            <a:solidFill>
-              <a:schemeClr val="bg1"/>
-            </a:solidFill>
-            <a:ln w="19050">
-              <a:solidFill>
-                <a:schemeClr val="tx1"/>
-              </a:solidFill>
-            </a:ln>
-          </p:spPr>
-          <p:style>
-            <a:lnRef idx="2">
-              <a:schemeClr val="accent1">
-                <a:shade val="50000"/>
-              </a:schemeClr>
-            </a:lnRef>
-            <a:fillRef idx="1">
-              <a:schemeClr val="accent1"/>
-            </a:fillRef>
-            <a:effectRef idx="0">
-              <a:schemeClr val="accent1"/>
-            </a:effectRef>
-            <a:fontRef idx="minor">
-              <a:schemeClr val="lt1"/>
-            </a:fontRef>
-          </p:style>
-          <p:txBody>
-            <a:bodyPr rtlCol="0" anchor="ctr"/>
-            <a:lstStyle/>
-            <a:p>
-              <a:pPr algn="ctr"/>
-              <a:endParaRPr lang="en-CA"/>
-            </a:p>
-          </p:txBody>
-        </p:sp>
-        <p:sp>
-          <p:nvSpPr>
-            <p:cNvPr id="56" name="Freeform: Shape 55">
-              <a:extLst>
-                <a:ext uri="{FF2B5EF4-FFF2-40B4-BE49-F238E27FC236}">
-                  <a16:creationId xmlns:a16="http://schemas.microsoft.com/office/drawing/2014/main" id="{F20649BB-BF64-478F-BB64-439A8FFBC8BC}"/>
-                </a:ext>
-              </a:extLst>
-            </p:cNvPr>
-            <p:cNvSpPr/>
-            <p:nvPr/>
-          </p:nvSpPr>
-          <p:spPr>
-            <a:xfrm>
-              <a:off x="5295899" y="572770"/>
-              <a:ext cx="1666875" cy="208280"/>
-            </a:xfrm>
-            <a:custGeom>
-              <a:avLst/>
-              <a:gdLst>
-                <a:gd name="connsiteX0" fmla="*/ 0 w 457200"/>
-                <a:gd name="connsiteY0" fmla="*/ 190936 h 190936"/>
-                <a:gd name="connsiteX1" fmla="*/ 28575 w 457200"/>
-                <a:gd name="connsiteY1" fmla="*/ 86161 h 190936"/>
-                <a:gd name="connsiteX2" fmla="*/ 76200 w 457200"/>
-                <a:gd name="connsiteY2" fmla="*/ 9961 h 190936"/>
-                <a:gd name="connsiteX3" fmla="*/ 133350 w 457200"/>
-                <a:gd name="connsiteY3" fmla="*/ 9961 h 190936"/>
-                <a:gd name="connsiteX4" fmla="*/ 171450 w 457200"/>
-                <a:gd name="connsiteY4" fmla="*/ 67111 h 190936"/>
-                <a:gd name="connsiteX5" fmla="*/ 247650 w 457200"/>
-                <a:gd name="connsiteY5" fmla="*/ 162361 h 190936"/>
-                <a:gd name="connsiteX6" fmla="*/ 304800 w 457200"/>
-                <a:gd name="connsiteY6" fmla="*/ 38536 h 190936"/>
-                <a:gd name="connsiteX7" fmla="*/ 361950 w 457200"/>
-                <a:gd name="connsiteY7" fmla="*/ 436 h 190936"/>
-                <a:gd name="connsiteX8" fmla="*/ 419100 w 457200"/>
-                <a:gd name="connsiteY8" fmla="*/ 57586 h 190936"/>
-                <a:gd name="connsiteX9" fmla="*/ 428625 w 457200"/>
-                <a:gd name="connsiteY9" fmla="*/ 152836 h 190936"/>
-                <a:gd name="connsiteX10" fmla="*/ 457200 w 457200"/>
-                <a:gd name="connsiteY10" fmla="*/ 171886 h 190936"/>
-              </a:gdLst>
-              <a:ahLst/>
-              <a:cxnLst>
-                <a:cxn ang="0">
-                  <a:pos x="connsiteX0" y="connsiteY0"/>
-                </a:cxn>
-                <a:cxn ang="0">
-                  <a:pos x="connsiteX1" y="connsiteY1"/>
-                </a:cxn>
-                <a:cxn ang="0">
-                  <a:pos x="connsiteX2" y="connsiteY2"/>
-                </a:cxn>
-                <a:cxn ang="0">
-                  <a:pos x="connsiteX3" y="connsiteY3"/>
-                </a:cxn>
-                <a:cxn ang="0">
-                  <a:pos x="connsiteX4" y="connsiteY4"/>
-                </a:cxn>
-                <a:cxn ang="0">
-                  <a:pos x="connsiteX5" y="connsiteY5"/>
-                </a:cxn>
-                <a:cxn ang="0">
-                  <a:pos x="connsiteX6" y="connsiteY6"/>
-                </a:cxn>
-                <a:cxn ang="0">
-                  <a:pos x="connsiteX7" y="connsiteY7"/>
-                </a:cxn>
-                <a:cxn ang="0">
-                  <a:pos x="connsiteX8" y="connsiteY8"/>
-                </a:cxn>
-                <a:cxn ang="0">
-                  <a:pos x="connsiteX9" y="connsiteY9"/>
-                </a:cxn>
-                <a:cxn ang="0">
-                  <a:pos x="connsiteX10" y="connsiteY10"/>
-                </a:cxn>
-              </a:cxnLst>
-              <a:rect l="l" t="t" r="r" b="b"/>
-              <a:pathLst>
-                <a:path w="457200" h="190936">
-                  <a:moveTo>
-                    <a:pt x="0" y="190936"/>
-                  </a:moveTo>
-                  <a:cubicBezTo>
-                    <a:pt x="7937" y="153629"/>
-                    <a:pt x="15875" y="116323"/>
-                    <a:pt x="28575" y="86161"/>
-                  </a:cubicBezTo>
-                  <a:cubicBezTo>
-                    <a:pt x="41275" y="55998"/>
-                    <a:pt x="58738" y="22661"/>
-                    <a:pt x="76200" y="9961"/>
-                  </a:cubicBezTo>
-                  <a:cubicBezTo>
-                    <a:pt x="93663" y="-2739"/>
-                    <a:pt x="117475" y="436"/>
-                    <a:pt x="133350" y="9961"/>
-                  </a:cubicBezTo>
-                  <a:cubicBezTo>
-                    <a:pt x="149225" y="19486"/>
-                    <a:pt x="152400" y="41711"/>
-                    <a:pt x="171450" y="67111"/>
-                  </a:cubicBezTo>
-                  <a:cubicBezTo>
-                    <a:pt x="190500" y="92511"/>
-                    <a:pt x="225425" y="167123"/>
-                    <a:pt x="247650" y="162361"/>
-                  </a:cubicBezTo>
-                  <a:cubicBezTo>
-                    <a:pt x="269875" y="157598"/>
-                    <a:pt x="285750" y="65523"/>
-                    <a:pt x="304800" y="38536"/>
-                  </a:cubicBezTo>
-                  <a:cubicBezTo>
-                    <a:pt x="323850" y="11549"/>
-                    <a:pt x="342900" y="-2739"/>
-                    <a:pt x="361950" y="436"/>
-                  </a:cubicBezTo>
-                  <a:cubicBezTo>
-                    <a:pt x="381000" y="3611"/>
-                    <a:pt x="407988" y="32186"/>
-                    <a:pt x="419100" y="57586"/>
-                  </a:cubicBezTo>
-                  <a:cubicBezTo>
-                    <a:pt x="430212" y="82986"/>
-                    <a:pt x="428625" y="152836"/>
-                    <a:pt x="428625" y="152836"/>
-                  </a:cubicBezTo>
-                  <a:cubicBezTo>
-                    <a:pt x="434975" y="171886"/>
-                    <a:pt x="436563" y="195698"/>
-                    <a:pt x="457200" y="171886"/>
-                  </a:cubicBezTo>
-                </a:path>
-              </a:pathLst>
-            </a:custGeom>
-            <a:noFill/>
-            <a:ln>
-              <a:solidFill>
-                <a:srgbClr val="00B0F0"/>
-              </a:solidFill>
-            </a:ln>
-          </p:spPr>
-          <p:style>
-            <a:lnRef idx="2">
-              <a:schemeClr val="accent1">
-                <a:shade val="50000"/>
-              </a:schemeClr>
-            </a:lnRef>
-            <a:fillRef idx="1">
-              <a:schemeClr val="accent1"/>
-            </a:fillRef>
-            <a:effectRef idx="0">
-              <a:schemeClr val="accent1"/>
-            </a:effectRef>
-            <a:fontRef idx="minor">
-              <a:schemeClr val="lt1"/>
-            </a:fontRef>
-          </p:style>
-          <p:txBody>
-            <a:bodyPr rtlCol="0" anchor="ctr"/>
-            <a:lstStyle/>
-            <a:p>
-              <a:pPr algn="ctr"/>
-              <a:endParaRPr lang="en-CA"/>
-            </a:p>
-          </p:txBody>
-        </p:sp>
-      </p:grpSp>
       <p:sp>
         <p:nvSpPr>
-          <p:cNvPr id="57" name="Smiley Face 56">
-            <a:extLst>
-              <a:ext uri="{FF2B5EF4-FFF2-40B4-BE49-F238E27FC236}">
-                <a16:creationId xmlns:a16="http://schemas.microsoft.com/office/drawing/2014/main" id="{57CE3F64-C860-4AA1-A22E-E28F4F41EEA9}"/>
+          <p:cNvPr id="77" name="Rectangle 76">
+            <a:extLst>
+              <a:ext uri="{FF2B5EF4-FFF2-40B4-BE49-F238E27FC236}">
+                <a16:creationId xmlns:a16="http://schemas.microsoft.com/office/drawing/2014/main" id="{57ECC83E-DE64-4C17-AB32-3FB8C66EFF96}"/>
               </a:ext>
             </a:extLst>
           </p:cNvPr>
@@ -7754,20 +7555,166 @@
         </p:nvSpPr>
         <p:spPr>
           <a:xfrm>
-            <a:off x="2774580" y="5831399"/>
-            <a:ext cx="420687" cy="399161"/>
+            <a:off x="377853" y="194633"/>
+            <a:ext cx="7869501" cy="1109406"/>
           </a:xfrm>
-          <a:prstGeom prst="smileyFace">
+          <a:prstGeom prst="rect">
             <a:avLst/>
           </a:prstGeom>
-          <a:solidFill>
-            <a:schemeClr val="bg1"/>
-          </a:solidFill>
-          <a:ln>
-            <a:solidFill>
-              <a:schemeClr val="tx1"/>
-            </a:solidFill>
-          </a:ln>
+        </p:spPr>
+        <p:txBody>
+          <a:bodyPr wrap="square">
+            <a:spAutoFit/>
+          </a:bodyPr>
+          <a:lstStyle/>
+          <a:p>
+            <a:pPr>
+              <a:lnSpc>
+                <a:spcPct val="150000"/>
+              </a:lnSpc>
+            </a:pPr>
+            <a:r>
+              <a:rPr lang="en-US" sz="2800" b="1" dirty="0"/>
+              <a:t>Results (Preliminary)</a:t>
+            </a:r>
+          </a:p>
+          <a:p>
+            <a:pPr>
+              <a:lnSpc>
+                <a:spcPct val="150000"/>
+              </a:lnSpc>
+            </a:pPr>
+            <a:r>
+              <a:rPr lang="en-CA" dirty="0">
+                <a:solidFill>
+                  <a:srgbClr val="1D1C1D"/>
+                </a:solidFill>
+                <a:latin typeface="Slack-Lato"/>
+              </a:rPr>
+              <a:t>Small pruned ~50% of parameters (3000 </a:t>
+            </a:r>
+            <a:r>
+              <a:rPr lang="en-CA" dirty="0">
+                <a:solidFill>
+                  <a:srgbClr val="1D1C1D"/>
+                </a:solidFill>
+                <a:latin typeface="Slack-Lato"/>
+                <a:sym typeface="Wingdings" panose="05000000000000000000" pitchFamily="2" charset="2"/>
+              </a:rPr>
+              <a:t> 1500) </a:t>
+            </a:r>
+            <a:r>
+              <a:rPr lang="en-CA" dirty="0">
+                <a:solidFill>
+                  <a:srgbClr val="1D1C1D"/>
+                </a:solidFill>
+                <a:latin typeface="Slack-Lato"/>
+              </a:rPr>
+              <a:t>achieves  4% energy error</a:t>
+            </a:r>
+            <a:endParaRPr lang="en-CA" b="0" i="0" dirty="0">
+              <a:solidFill>
+                <a:srgbClr val="1D1C1D"/>
+              </a:solidFill>
+              <a:effectLst/>
+              <a:latin typeface="Slack-Lato"/>
+            </a:endParaRPr>
+          </a:p>
+        </p:txBody>
+      </p:sp>
+      <p:pic>
+        <p:nvPicPr>
+          <p:cNvPr id="81" name="Picture 80">
+            <a:extLst>
+              <a:ext uri="{FF2B5EF4-FFF2-40B4-BE49-F238E27FC236}">
+                <a16:creationId xmlns:a16="http://schemas.microsoft.com/office/drawing/2014/main" id="{1466F997-974C-4E9F-9F3E-BC175C4DD13E}"/>
+              </a:ext>
+            </a:extLst>
+          </p:cNvPr>
+          <p:cNvPicPr>
+            <a:picLocks noChangeAspect="1"/>
+          </p:cNvPicPr>
+          <p:nvPr/>
+        </p:nvPicPr>
+        <p:blipFill>
+          <a:blip r:embed="rId2">
+            <a:extLst>
+              <a:ext uri="{28A0092B-C50C-407E-A947-70E740481C1C}">
+                <a14:useLocalDpi xmlns:a14="http://schemas.microsoft.com/office/drawing/2010/main" val="0"/>
+              </a:ext>
+            </a:extLst>
+          </a:blip>
+          <a:stretch>
+            <a:fillRect/>
+          </a:stretch>
+        </p:blipFill>
+        <p:spPr>
+          <a:xfrm>
+            <a:off x="834870" y="2156869"/>
+            <a:ext cx="4553234" cy="3035489"/>
+          </a:xfrm>
+          <a:prstGeom prst="rect">
+            <a:avLst/>
+          </a:prstGeom>
+        </p:spPr>
+      </p:pic>
+      <p:pic>
+        <p:nvPicPr>
+          <p:cNvPr id="83" name="Picture 82">
+            <a:extLst>
+              <a:ext uri="{FF2B5EF4-FFF2-40B4-BE49-F238E27FC236}">
+                <a16:creationId xmlns:a16="http://schemas.microsoft.com/office/drawing/2014/main" id="{11CFE648-39D4-4933-8539-893A6AC5636F}"/>
+              </a:ext>
+            </a:extLst>
+          </p:cNvPr>
+          <p:cNvPicPr>
+            <a:picLocks noChangeAspect="1"/>
+          </p:cNvPicPr>
+          <p:nvPr/>
+        </p:nvPicPr>
+        <p:blipFill>
+          <a:blip r:embed="rId3">
+            <a:extLst>
+              <a:ext uri="{28A0092B-C50C-407E-A947-70E740481C1C}">
+                <a14:useLocalDpi xmlns:a14="http://schemas.microsoft.com/office/drawing/2010/main" val="0"/>
+              </a:ext>
+            </a:extLst>
+          </a:blip>
+          <a:stretch>
+            <a:fillRect/>
+          </a:stretch>
+        </p:blipFill>
+        <p:spPr>
+          <a:xfrm>
+            <a:off x="6262206" y="2024772"/>
+            <a:ext cx="4623929" cy="3082619"/>
+          </a:xfrm>
+          <a:prstGeom prst="rect">
+            <a:avLst/>
+          </a:prstGeom>
+        </p:spPr>
+      </p:pic>
+      <p:sp>
+        <p:nvSpPr>
+          <p:cNvPr id="85" name="Rectangle 84">
+            <a:extLst>
+              <a:ext uri="{FF2B5EF4-FFF2-40B4-BE49-F238E27FC236}">
+                <a16:creationId xmlns:a16="http://schemas.microsoft.com/office/drawing/2014/main" id="{0A649C09-6C83-4A41-AE8B-BD8E4FA127EC}"/>
+              </a:ext>
+            </a:extLst>
+          </p:cNvPr>
+          <p:cNvSpPr/>
+          <p:nvPr/>
+        </p:nvSpPr>
+        <p:spPr>
+          <a:xfrm>
+            <a:off x="1331650" y="4270159"/>
+            <a:ext cx="1003177" cy="837232"/>
+          </a:xfrm>
+          <a:prstGeom prst="rect">
+            <a:avLst/>
+          </a:prstGeom>
+          <a:noFill/>
         </p:spPr>
         <p:style>
           <a:lnRef idx="2">
@@ -7794,585 +7741,84 @@
           </a:p>
         </p:txBody>
       </p:sp>
-      <p:pic>
-        <p:nvPicPr>
-          <p:cNvPr id="74" name="Picture 73">
-            <a:extLst>
-              <a:ext uri="{FF2B5EF4-FFF2-40B4-BE49-F238E27FC236}">
-                <a16:creationId xmlns:a16="http://schemas.microsoft.com/office/drawing/2014/main" id="{31099F55-65BB-49ED-B2A2-E7D8E6B073E3}"/>
-              </a:ext>
-            </a:extLst>
-          </p:cNvPr>
-          <p:cNvPicPr>
-            <a:picLocks noChangeAspect="1"/>
-          </p:cNvPicPr>
+      <p:cxnSp>
+        <p:nvCxnSpPr>
+          <p:cNvPr id="87" name="Straight Arrow Connector 86">
+            <a:extLst>
+              <a:ext uri="{FF2B5EF4-FFF2-40B4-BE49-F238E27FC236}">
+                <a16:creationId xmlns:a16="http://schemas.microsoft.com/office/drawing/2014/main" id="{F46BC198-81B6-4287-800B-3E0BF67E996A}"/>
+              </a:ext>
+            </a:extLst>
+          </p:cNvPr>
+          <p:cNvCxnSpPr/>
           <p:nvPr/>
-        </p:nvPicPr>
-        <p:blipFill>
-          <a:blip r:embed="rId2">
-            <a:extLst>
-              <a:ext uri="{28A0092B-C50C-407E-A947-70E740481C1C}">
-                <a14:useLocalDpi xmlns:a14="http://schemas.microsoft.com/office/drawing/2010/main" val="0"/>
-              </a:ext>
-            </a:extLst>
-          </a:blip>
-          <a:stretch>
-            <a:fillRect/>
-          </a:stretch>
-        </p:blipFill>
+        </p:nvCxnSpPr>
         <p:spPr>
-          <a:xfrm>
-            <a:off x="9013753" y="5762030"/>
-            <a:ext cx="735314" cy="537897"/>
+          <a:xfrm flipV="1">
+            <a:off x="2334827" y="2263806"/>
+            <a:ext cx="4305670" cy="2006353"/>
           </a:xfrm>
-          <a:prstGeom prst="rect">
+          <a:prstGeom prst="straightConnector1">
             <a:avLst/>
           </a:prstGeom>
+          <a:ln>
+            <a:tailEnd type="triangle"/>
+          </a:ln>
         </p:spPr>
-      </p:pic>
-      <mc:AlternateContent xmlns:mc="http://schemas.openxmlformats.org/markup-compatibility/2006">
-        <mc:Choice xmlns:a14="http://schemas.microsoft.com/office/drawing/2010/main" Requires="a14">
-          <p:sp>
-            <p:nvSpPr>
-              <p:cNvPr id="77" name="Rectangle 76">
-                <a:extLst>
-                  <a:ext uri="{FF2B5EF4-FFF2-40B4-BE49-F238E27FC236}">
-                    <a16:creationId xmlns:a16="http://schemas.microsoft.com/office/drawing/2014/main" id="{57ECC83E-DE64-4C17-AB32-3FB8C66EFF96}"/>
-                  </a:ext>
-                </a:extLst>
-              </p:cNvPr>
-              <p:cNvSpPr/>
-              <p:nvPr/>
-            </p:nvSpPr>
-            <p:spPr>
-              <a:xfrm>
-                <a:off x="377854" y="194633"/>
-                <a:ext cx="4553234" cy="2126864"/>
-              </a:xfrm>
-              <a:prstGeom prst="rect">
-                <a:avLst/>
-              </a:prstGeom>
-            </p:spPr>
-            <p:txBody>
-              <a:bodyPr wrap="none">
-                <a:spAutoFit/>
-              </a:bodyPr>
-              <a:lstStyle/>
-              <a:p>
-                <a:pPr marL="285750" indent="-285750">
-                  <a:lnSpc>
-                    <a:spcPct val="150000"/>
-                  </a:lnSpc>
-                  <a:buFont typeface="Arial" panose="020B0604020202020204" pitchFamily="34" charset="0"/>
-                  <a:buChar char="•"/>
-                </a:pPr>
-                <a:r>
-                  <a:rPr lang="en-CA" dirty="0">
-                    <a:solidFill>
-                      <a:srgbClr val="1D1C1D"/>
-                    </a:solidFill>
-                    <a:latin typeface="Slack-Lato"/>
-                  </a:rPr>
-                  <a:t>1D Heisenberg model (N=10): </a:t>
-                </a:r>
-              </a:p>
-              <a:p>
-                <a:pPr>
-                  <a:lnSpc>
-                    <a:spcPct val="150000"/>
-                  </a:lnSpc>
-                </a:pPr>
-                <a:r>
-                  <a:rPr lang="en-CA" b="0" dirty="0">
-                    <a:solidFill>
-                      <a:srgbClr val="1D1C1D"/>
-                    </a:solidFill>
-                    <a:latin typeface="Slack-Lato"/>
-                  </a:rPr>
-                  <a:t>	</a:t>
-                </a:r>
-                <a14:m>
-                  <m:oMath xmlns:m="http://schemas.openxmlformats.org/officeDocument/2006/math">
-                    <m:r>
-                      <a:rPr lang="en-CA" b="0" i="1" smtClean="0">
-                        <a:solidFill>
-                          <a:srgbClr val="1D1C1D"/>
-                        </a:solidFill>
-                        <a:latin typeface="Cambria Math" panose="02040503050406030204" pitchFamily="18" charset="0"/>
-                      </a:rPr>
-                      <m:t>𝐻</m:t>
-                    </m:r>
-                    <m:r>
-                      <a:rPr lang="en-CA" b="0" i="1" smtClean="0">
-                        <a:solidFill>
-                          <a:srgbClr val="1D1C1D"/>
-                        </a:solidFill>
-                        <a:latin typeface="Cambria Math" panose="02040503050406030204" pitchFamily="18" charset="0"/>
-                      </a:rPr>
-                      <m:t>= </m:t>
-                    </m:r>
-                    <m:nary>
-                      <m:naryPr>
-                        <m:chr m:val="∑"/>
-                        <m:subHide m:val="on"/>
-                        <m:supHide m:val="on"/>
-                        <m:ctrlPr>
-                          <a:rPr lang="en-CA" b="0" i="1" smtClean="0">
-                            <a:solidFill>
-                              <a:srgbClr val="1D1C1D"/>
-                            </a:solidFill>
-                            <a:latin typeface="Cambria Math" panose="02040503050406030204" pitchFamily="18" charset="0"/>
-                          </a:rPr>
-                        </m:ctrlPr>
-                      </m:naryPr>
-                      <m:sub/>
-                      <m:sup/>
-                      <m:e>
-                        <m:sSub>
-                          <m:sSubPr>
-                            <m:ctrlPr>
-                              <a:rPr lang="en-CA" b="0" i="1" smtClean="0">
-                                <a:solidFill>
-                                  <a:srgbClr val="1D1C1D"/>
-                                </a:solidFill>
-                                <a:latin typeface="Cambria Math" panose="02040503050406030204" pitchFamily="18" charset="0"/>
-                              </a:rPr>
-                            </m:ctrlPr>
-                          </m:sSubPr>
-                          <m:e>
-                            <m:r>
-                              <a:rPr lang="en-CA" b="0" i="1" smtClean="0">
-                                <a:solidFill>
-                                  <a:srgbClr val="1D1C1D"/>
-                                </a:solidFill>
-                                <a:latin typeface="Cambria Math" panose="02040503050406030204" pitchFamily="18" charset="0"/>
-                              </a:rPr>
-                              <m:t>𝑋</m:t>
-                            </m:r>
-                          </m:e>
-                          <m:sub>
-                            <m:r>
-                              <a:rPr lang="en-CA" b="0" i="1" smtClean="0">
-                                <a:solidFill>
-                                  <a:srgbClr val="1D1C1D"/>
-                                </a:solidFill>
-                                <a:latin typeface="Cambria Math" panose="02040503050406030204" pitchFamily="18" charset="0"/>
-                              </a:rPr>
-                              <m:t>𝑖</m:t>
-                            </m:r>
-                          </m:sub>
-                        </m:sSub>
-                        <m:sSub>
-                          <m:sSubPr>
-                            <m:ctrlPr>
-                              <a:rPr lang="en-CA" b="0" i="1" smtClean="0">
-                                <a:solidFill>
-                                  <a:srgbClr val="1D1C1D"/>
-                                </a:solidFill>
-                                <a:latin typeface="Cambria Math" panose="02040503050406030204" pitchFamily="18" charset="0"/>
-                              </a:rPr>
-                            </m:ctrlPr>
-                          </m:sSubPr>
-                          <m:e>
-                            <m:r>
-                              <a:rPr lang="en-CA" b="0" i="1" smtClean="0">
-                                <a:solidFill>
-                                  <a:srgbClr val="1D1C1D"/>
-                                </a:solidFill>
-                                <a:latin typeface="Cambria Math" panose="02040503050406030204" pitchFamily="18" charset="0"/>
-                              </a:rPr>
-                              <m:t>𝑋</m:t>
-                            </m:r>
-                          </m:e>
-                          <m:sub>
-                            <m:r>
-                              <a:rPr lang="en-CA" b="0" i="1" smtClean="0">
-                                <a:solidFill>
-                                  <a:srgbClr val="1D1C1D"/>
-                                </a:solidFill>
-                                <a:latin typeface="Cambria Math" panose="02040503050406030204" pitchFamily="18" charset="0"/>
-                              </a:rPr>
-                              <m:t>𝑖</m:t>
-                            </m:r>
-                            <m:r>
-                              <a:rPr lang="en-CA" b="0" i="1" smtClean="0">
-                                <a:solidFill>
-                                  <a:srgbClr val="1D1C1D"/>
-                                </a:solidFill>
-                                <a:latin typeface="Cambria Math" panose="02040503050406030204" pitchFamily="18" charset="0"/>
-                              </a:rPr>
-                              <m:t>+1</m:t>
-                            </m:r>
-                          </m:sub>
-                        </m:sSub>
-                        <m:r>
-                          <a:rPr lang="en-CA" b="0" i="1" smtClean="0">
-                            <a:solidFill>
-                              <a:srgbClr val="1D1C1D"/>
-                            </a:solidFill>
-                            <a:latin typeface="Cambria Math" panose="02040503050406030204" pitchFamily="18" charset="0"/>
-                          </a:rPr>
-                          <m:t>+</m:t>
-                        </m:r>
-                        <m:sSub>
-                          <m:sSubPr>
-                            <m:ctrlPr>
-                              <a:rPr lang="en-CA" b="0" i="1" smtClean="0">
-                                <a:solidFill>
-                                  <a:srgbClr val="1D1C1D"/>
-                                </a:solidFill>
-                                <a:latin typeface="Cambria Math" panose="02040503050406030204" pitchFamily="18" charset="0"/>
-                              </a:rPr>
-                            </m:ctrlPr>
-                          </m:sSubPr>
-                          <m:e>
-                            <m:r>
-                              <a:rPr lang="en-CA" b="0" i="1" smtClean="0">
-                                <a:solidFill>
-                                  <a:srgbClr val="1D1C1D"/>
-                                </a:solidFill>
-                                <a:latin typeface="Cambria Math" panose="02040503050406030204" pitchFamily="18" charset="0"/>
-                              </a:rPr>
-                              <m:t>𝑌</m:t>
-                            </m:r>
-                          </m:e>
-                          <m:sub>
-                            <m:r>
-                              <a:rPr lang="en-CA" b="0" i="1" smtClean="0">
-                                <a:solidFill>
-                                  <a:srgbClr val="1D1C1D"/>
-                                </a:solidFill>
-                                <a:latin typeface="Cambria Math" panose="02040503050406030204" pitchFamily="18" charset="0"/>
-                              </a:rPr>
-                              <m:t>𝑖</m:t>
-                            </m:r>
-                          </m:sub>
-                        </m:sSub>
-                        <m:sSub>
-                          <m:sSubPr>
-                            <m:ctrlPr>
-                              <a:rPr lang="en-CA" b="0" i="1" smtClean="0">
-                                <a:solidFill>
-                                  <a:srgbClr val="1D1C1D"/>
-                                </a:solidFill>
-                                <a:latin typeface="Cambria Math" panose="02040503050406030204" pitchFamily="18" charset="0"/>
-                              </a:rPr>
-                            </m:ctrlPr>
-                          </m:sSubPr>
-                          <m:e>
-                            <m:r>
-                              <a:rPr lang="en-CA" b="0" i="1" smtClean="0">
-                                <a:solidFill>
-                                  <a:srgbClr val="1D1C1D"/>
-                                </a:solidFill>
-                                <a:latin typeface="Cambria Math" panose="02040503050406030204" pitchFamily="18" charset="0"/>
-                              </a:rPr>
-                              <m:t>𝑌</m:t>
-                            </m:r>
-                          </m:e>
-                          <m:sub>
-                            <m:r>
-                              <a:rPr lang="en-CA" b="0" i="1" smtClean="0">
-                                <a:solidFill>
-                                  <a:srgbClr val="1D1C1D"/>
-                                </a:solidFill>
-                                <a:latin typeface="Cambria Math" panose="02040503050406030204" pitchFamily="18" charset="0"/>
-                              </a:rPr>
-                              <m:t>𝑖</m:t>
-                            </m:r>
-                            <m:r>
-                              <a:rPr lang="en-CA" b="0" i="1" smtClean="0">
-                                <a:solidFill>
-                                  <a:srgbClr val="1D1C1D"/>
-                                </a:solidFill>
-                                <a:latin typeface="Cambria Math" panose="02040503050406030204" pitchFamily="18" charset="0"/>
-                              </a:rPr>
-                              <m:t>+1</m:t>
-                            </m:r>
-                          </m:sub>
-                        </m:sSub>
-                        <m:r>
-                          <a:rPr lang="en-CA" b="0" i="1" smtClean="0">
-                            <a:solidFill>
-                              <a:srgbClr val="1D1C1D"/>
-                            </a:solidFill>
-                            <a:latin typeface="Cambria Math" panose="02040503050406030204" pitchFamily="18" charset="0"/>
-                          </a:rPr>
-                          <m:t>+</m:t>
-                        </m:r>
-                        <m:sSub>
-                          <m:sSubPr>
-                            <m:ctrlPr>
-                              <a:rPr lang="en-CA" b="0" i="1" smtClean="0">
-                                <a:solidFill>
-                                  <a:srgbClr val="1D1C1D"/>
-                                </a:solidFill>
-                                <a:latin typeface="Cambria Math" panose="02040503050406030204" pitchFamily="18" charset="0"/>
-                              </a:rPr>
-                            </m:ctrlPr>
-                          </m:sSubPr>
-                          <m:e>
-                            <m:r>
-                              <a:rPr lang="en-CA" b="0" i="1" smtClean="0">
-                                <a:solidFill>
-                                  <a:srgbClr val="1D1C1D"/>
-                                </a:solidFill>
-                                <a:latin typeface="Cambria Math" panose="02040503050406030204" pitchFamily="18" charset="0"/>
-                              </a:rPr>
-                              <m:t>𝑍</m:t>
-                            </m:r>
-                          </m:e>
-                          <m:sub>
-                            <m:r>
-                              <a:rPr lang="en-CA" b="0" i="1" smtClean="0">
-                                <a:solidFill>
-                                  <a:srgbClr val="1D1C1D"/>
-                                </a:solidFill>
-                                <a:latin typeface="Cambria Math" panose="02040503050406030204" pitchFamily="18" charset="0"/>
-                              </a:rPr>
-                              <m:t>𝑖</m:t>
-                            </m:r>
-                          </m:sub>
-                        </m:sSub>
-                        <m:sSub>
-                          <m:sSubPr>
-                            <m:ctrlPr>
-                              <a:rPr lang="en-CA" b="0" i="1" smtClean="0">
-                                <a:solidFill>
-                                  <a:srgbClr val="1D1C1D"/>
-                                </a:solidFill>
-                                <a:latin typeface="Cambria Math" panose="02040503050406030204" pitchFamily="18" charset="0"/>
-                              </a:rPr>
-                            </m:ctrlPr>
-                          </m:sSubPr>
-                          <m:e>
-                            <m:r>
-                              <a:rPr lang="en-CA" b="0" i="1" smtClean="0">
-                                <a:solidFill>
-                                  <a:srgbClr val="1D1C1D"/>
-                                </a:solidFill>
-                                <a:latin typeface="Cambria Math" panose="02040503050406030204" pitchFamily="18" charset="0"/>
-                              </a:rPr>
-                              <m:t>𝑍</m:t>
-                            </m:r>
-                          </m:e>
-                          <m:sub>
-                            <m:r>
-                              <a:rPr lang="en-CA" b="0" i="1" smtClean="0">
-                                <a:solidFill>
-                                  <a:srgbClr val="1D1C1D"/>
-                                </a:solidFill>
-                                <a:latin typeface="Cambria Math" panose="02040503050406030204" pitchFamily="18" charset="0"/>
-                              </a:rPr>
-                              <m:t>𝑖</m:t>
-                            </m:r>
-                            <m:r>
-                              <a:rPr lang="en-CA" b="0" i="1" smtClean="0">
-                                <a:solidFill>
-                                  <a:srgbClr val="1D1C1D"/>
-                                </a:solidFill>
-                                <a:latin typeface="Cambria Math" panose="02040503050406030204" pitchFamily="18" charset="0"/>
-                              </a:rPr>
-                              <m:t>+1</m:t>
-                            </m:r>
-                          </m:sub>
-                        </m:sSub>
-                      </m:e>
-                    </m:nary>
-                  </m:oMath>
-                </a14:m>
-                <a:endParaRPr lang="en-CA" b="0" i="0" dirty="0">
-                  <a:solidFill>
-                    <a:srgbClr val="1D1C1D"/>
-                  </a:solidFill>
-                  <a:effectLst/>
-                  <a:latin typeface="Slack-Lato"/>
-                </a:endParaRPr>
-              </a:p>
-              <a:p>
-                <a:pPr marL="285750" indent="-285750">
-                  <a:lnSpc>
-                    <a:spcPct val="150000"/>
-                  </a:lnSpc>
-                  <a:buFont typeface="Arial" panose="020B0604020202020204" pitchFamily="34" charset="0"/>
-                  <a:buChar char="•"/>
-                </a:pPr>
-                <a:r>
-                  <a:rPr lang="en-CA" b="0" i="0" dirty="0">
-                    <a:solidFill>
-                      <a:srgbClr val="1D1C1D"/>
-                    </a:solidFill>
-                    <a:effectLst/>
-                    <a:latin typeface="Slack-Lato"/>
-                  </a:rPr>
-                  <a:t>Relative error in the energy: ~4%</a:t>
-                </a:r>
-              </a:p>
-              <a:p>
-                <a:pPr marL="285750" indent="-285750">
-                  <a:lnSpc>
-                    <a:spcPct val="150000"/>
-                  </a:lnSpc>
-                  <a:buFont typeface="Arial" panose="020B0604020202020204" pitchFamily="34" charset="0"/>
-                  <a:buChar char="•"/>
-                </a:pPr>
-                <a:r>
-                  <a:rPr lang="en-CA" dirty="0">
-                    <a:solidFill>
-                      <a:srgbClr val="1D1C1D"/>
-                    </a:solidFill>
-                    <a:latin typeface="Slack-Lato"/>
-                  </a:rPr>
-                  <a:t>Pruned ~50% of parameters (3000 </a:t>
-                </a:r>
-                <a:r>
-                  <a:rPr lang="en-CA" dirty="0">
-                    <a:solidFill>
-                      <a:srgbClr val="1D1C1D"/>
-                    </a:solidFill>
-                    <a:latin typeface="Slack-Lato"/>
-                    <a:sym typeface="Wingdings" panose="05000000000000000000" pitchFamily="2" charset="2"/>
-                  </a:rPr>
-                  <a:t> 1580)</a:t>
-                </a:r>
-                <a:endParaRPr lang="en-CA" b="0" i="0" dirty="0">
-                  <a:solidFill>
-                    <a:srgbClr val="1D1C1D"/>
-                  </a:solidFill>
-                  <a:effectLst/>
-                  <a:latin typeface="Slack-Lato"/>
-                </a:endParaRPr>
-              </a:p>
-              <a:p>
-                <a:pPr marL="285750" indent="-285750">
-                  <a:lnSpc>
-                    <a:spcPct val="150000"/>
-                  </a:lnSpc>
-                  <a:buFont typeface="Arial" panose="020B0604020202020204" pitchFamily="34" charset="0"/>
-                  <a:buChar char="•"/>
-                </a:pPr>
-                <a:endParaRPr lang="en-CA" dirty="0"/>
-              </a:p>
-            </p:txBody>
-          </p:sp>
-        </mc:Choice>
-        <mc:Fallback>
-          <p:sp>
-            <p:nvSpPr>
-              <p:cNvPr id="77" name="Rectangle 76">
-                <a:extLst>
-                  <a:ext uri="{FF2B5EF4-FFF2-40B4-BE49-F238E27FC236}">
-                    <a16:creationId xmlns:a16="http://schemas.microsoft.com/office/drawing/2014/main" id="{57ECC83E-DE64-4C17-AB32-3FB8C66EFF96}"/>
-                  </a:ext>
-                </a:extLst>
-              </p:cNvPr>
-              <p:cNvSpPr>
-                <a:spLocks noRot="1" noChangeAspect="1" noMove="1" noResize="1" noEditPoints="1" noAdjustHandles="1" noChangeArrowheads="1" noChangeShapeType="1" noTextEdit="1"/>
-              </p:cNvSpPr>
-              <p:nvPr/>
-            </p:nvSpPr>
-            <p:spPr>
-              <a:xfrm>
-                <a:off x="377854" y="194633"/>
-                <a:ext cx="4553234" cy="2126864"/>
-              </a:xfrm>
-              <a:prstGeom prst="rect">
-                <a:avLst/>
-              </a:prstGeom>
-              <a:blipFill>
-                <a:blip r:embed="rId3"/>
-                <a:stretch>
-                  <a:fillRect l="-937" r="-134"/>
-                </a:stretch>
-              </a:blipFill>
-            </p:spPr>
-            <p:txBody>
-              <a:bodyPr/>
-              <a:lstStyle/>
-              <a:p>
-                <a:r>
-                  <a:rPr lang="en-CA">
-                    <a:noFill/>
-                  </a:rPr>
-                  <a:t> </a:t>
-                </a:r>
-              </a:p>
-            </p:txBody>
-          </p:sp>
-        </mc:Fallback>
-      </mc:AlternateContent>
-      <p:pic>
-        <p:nvPicPr>
-          <p:cNvPr id="81" name="Picture 80">
-            <a:extLst>
-              <a:ext uri="{FF2B5EF4-FFF2-40B4-BE49-F238E27FC236}">
-                <a16:creationId xmlns:a16="http://schemas.microsoft.com/office/drawing/2014/main" id="{1466F997-974C-4E9F-9F3E-BC175C4DD13E}"/>
-              </a:ext>
-            </a:extLst>
-          </p:cNvPr>
-          <p:cNvPicPr>
-            <a:picLocks noChangeAspect="1"/>
-          </p:cNvPicPr>
+        <p:style>
+          <a:lnRef idx="1">
+            <a:schemeClr val="accent1"/>
+          </a:lnRef>
+          <a:fillRef idx="0">
+            <a:schemeClr val="accent1"/>
+          </a:fillRef>
+          <a:effectRef idx="0">
+            <a:schemeClr val="accent1"/>
+          </a:effectRef>
+          <a:fontRef idx="minor">
+            <a:schemeClr val="tx1"/>
+          </a:fontRef>
+        </p:style>
+      </p:cxnSp>
+      <p:cxnSp>
+        <p:nvCxnSpPr>
+          <p:cNvPr id="89" name="Straight Arrow Connector 88">
+            <a:extLst>
+              <a:ext uri="{FF2B5EF4-FFF2-40B4-BE49-F238E27FC236}">
+                <a16:creationId xmlns:a16="http://schemas.microsoft.com/office/drawing/2014/main" id="{86EB290F-F4F3-43C4-8435-3101862A8505}"/>
+              </a:ext>
+            </a:extLst>
+          </p:cNvPr>
+          <p:cNvCxnSpPr/>
           <p:nvPr/>
-        </p:nvPicPr>
-        <p:blipFill>
-          <a:blip r:embed="rId4">
-            <a:extLst>
-              <a:ext uri="{28A0092B-C50C-407E-A947-70E740481C1C}">
-                <a14:useLocalDpi xmlns:a14="http://schemas.microsoft.com/office/drawing/2010/main" val="0"/>
-              </a:ext>
-            </a:extLst>
-          </a:blip>
-          <a:stretch>
-            <a:fillRect/>
-          </a:stretch>
-        </p:blipFill>
+        </p:nvCxnSpPr>
         <p:spPr>
-          <a:xfrm>
-            <a:off x="834870" y="1981799"/>
-            <a:ext cx="4815840" cy="3210560"/>
+          <a:xfrm flipV="1">
+            <a:off x="2334827" y="4707490"/>
+            <a:ext cx="4305670" cy="399901"/>
           </a:xfrm>
-          <a:prstGeom prst="rect">
+          <a:prstGeom prst="straightConnector1">
             <a:avLst/>
           </a:prstGeom>
+          <a:ln>
+            <a:tailEnd type="triangle"/>
+          </a:ln>
         </p:spPr>
-      </p:pic>
-      <p:pic>
-        <p:nvPicPr>
-          <p:cNvPr id="83" name="Picture 82">
-            <a:extLst>
-              <a:ext uri="{FF2B5EF4-FFF2-40B4-BE49-F238E27FC236}">
-                <a16:creationId xmlns:a16="http://schemas.microsoft.com/office/drawing/2014/main" id="{11CFE648-39D4-4933-8539-893A6AC5636F}"/>
-              </a:ext>
-            </a:extLst>
-          </p:cNvPr>
-          <p:cNvPicPr>
-            <a:picLocks noChangeAspect="1"/>
-          </p:cNvPicPr>
-          <p:nvPr/>
-        </p:nvPicPr>
-        <p:blipFill>
-          <a:blip r:embed="rId5">
-            <a:extLst>
-              <a:ext uri="{28A0092B-C50C-407E-A947-70E740481C1C}">
-                <a14:useLocalDpi xmlns:a14="http://schemas.microsoft.com/office/drawing/2010/main" val="0"/>
-              </a:ext>
-            </a:extLst>
-          </a:blip>
-          <a:stretch>
-            <a:fillRect/>
-          </a:stretch>
-        </p:blipFill>
-        <p:spPr>
-          <a:xfrm>
-            <a:off x="6393259" y="1985613"/>
-            <a:ext cx="4815840" cy="3210560"/>
-          </a:xfrm>
-          <a:prstGeom prst="rect">
-            <a:avLst/>
-          </a:prstGeom>
-        </p:spPr>
-      </p:pic>
+        <p:style>
+          <a:lnRef idx="1">
+            <a:schemeClr val="accent1"/>
+          </a:lnRef>
+          <a:fillRef idx="0">
+            <a:schemeClr val="accent1"/>
+          </a:fillRef>
+          <a:effectRef idx="0">
+            <a:schemeClr val="accent1"/>
+          </a:effectRef>
+          <a:fontRef idx="minor">
+            <a:schemeClr val="tx1"/>
+          </a:fontRef>
+        </p:style>
+      </p:cxnSp>
     </p:spTree>
     <p:extLst>
       <p:ext uri="{BB962C8B-B14F-4D97-AF65-F5344CB8AC3E}">
@@ -8494,21 +7940,39 @@
                                   </p:childTnLst>
                                 </p:cTn>
                               </p:par>
+                            </p:childTnLst>
+                          </p:cTn>
+                        </p:par>
+                      </p:childTnLst>
+                    </p:cTn>
+                  </p:par>
+                  <p:par>
+                    <p:cTn id="13" fill="hold">
+                      <p:stCondLst>
+                        <p:cond delay="indefinite"/>
+                      </p:stCondLst>
+                      <p:childTnLst>
+                        <p:par>
+                          <p:cTn id="14" fill="hold">
+                            <p:stCondLst>
+                              <p:cond delay="0"/>
+                            </p:stCondLst>
+                            <p:childTnLst>
                               <p:par>
-                                <p:cTn id="13" presetID="10" presetClass="entr" presetSubtype="0" fill="hold" nodeType="withEffect">
+                                <p:cTn id="15" presetID="10" presetClass="entr" presetSubtype="0" fill="hold" grpId="0" nodeType="clickEffect">
                                   <p:stCondLst>
                                     <p:cond delay="0"/>
                                   </p:stCondLst>
                                   <p:childTnLst>
                                     <p:set>
                                       <p:cBhvr>
-                                        <p:cTn id="14" dur="1" fill="hold">
+                                        <p:cTn id="16" dur="1" fill="hold">
                                           <p:stCondLst>
                                             <p:cond delay="0"/>
                                           </p:stCondLst>
                                         </p:cTn>
                                         <p:tgtEl>
-                                          <p:spTgt spid="83"/>
+                                          <p:spTgt spid="85"/>
                                         </p:tgtEl>
                                         <p:attrNameLst>
                                           <p:attrName>style.visibility</p:attrName>
@@ -8520,35 +7984,17 @@
                                     </p:set>
                                     <p:animEffect transition="in" filter="fade">
                                       <p:cBhvr>
-                                        <p:cTn id="15" dur="500"/>
+                                        <p:cTn id="17" dur="500"/>
                                         <p:tgtEl>
-                                          <p:spTgt spid="83"/>
+                                          <p:spTgt spid="85"/>
                                         </p:tgtEl>
                                       </p:cBhvr>
                                     </p:animEffect>
                                   </p:childTnLst>
                                 </p:cTn>
                               </p:par>
-                            </p:childTnLst>
-                          </p:cTn>
-                        </p:par>
-                      </p:childTnLst>
-                    </p:cTn>
-                  </p:par>
-                  <p:par>
-                    <p:cTn id="16" fill="hold">
-                      <p:stCondLst>
-                        <p:cond delay="indefinite"/>
-                      </p:stCondLst>
-                      <p:childTnLst>
-                        <p:par>
-                          <p:cTn id="17" fill="hold">
-                            <p:stCondLst>
-                              <p:cond delay="0"/>
-                            </p:stCondLst>
-                            <p:childTnLst>
                               <p:par>
-                                <p:cTn id="18" presetID="10" presetClass="entr" presetSubtype="0" fill="hold" nodeType="clickEffect">
+                                <p:cTn id="18" presetID="10" presetClass="entr" presetSubtype="0" fill="hold" nodeType="withEffect">
                                   <p:stCondLst>
                                     <p:cond delay="0"/>
                                   </p:stCondLst>
@@ -8561,7 +8007,7 @@
                                           </p:stCondLst>
                                         </p:cTn>
                                         <p:tgtEl>
-                                          <p:spTgt spid="54"/>
+                                          <p:spTgt spid="87"/>
                                         </p:tgtEl>
                                         <p:attrNameLst>
                                           <p:attrName>style.visibility</p:attrName>
@@ -8575,7 +8021,7 @@
                                       <p:cBhvr>
                                         <p:cTn id="20" dur="500"/>
                                         <p:tgtEl>
-                                          <p:spTgt spid="54"/>
+                                          <p:spTgt spid="87"/>
                                         </p:tgtEl>
                                       </p:cBhvr>
                                     </p:animEffect>
@@ -8596,7 +8042,7 @@
                                           </p:stCondLst>
                                         </p:cTn>
                                         <p:tgtEl>
-                                          <p:spTgt spid="58"/>
+                                          <p:spTgt spid="89"/>
                                         </p:tgtEl>
                                         <p:attrNameLst>
                                           <p:attrName>style.visibility</p:attrName>
@@ -8610,7 +8056,7 @@
                                       <p:cBhvr>
                                         <p:cTn id="23" dur="500"/>
                                         <p:tgtEl>
-                                          <p:spTgt spid="58"/>
+                                          <p:spTgt spid="89"/>
                                         </p:tgtEl>
                                       </p:cBhvr>
                                     </p:animEffect>
@@ -8631,7 +8077,7 @@
                                           </p:stCondLst>
                                         </p:cTn>
                                         <p:tgtEl>
-                                          <p:spTgt spid="62"/>
+                                          <p:spTgt spid="83"/>
                                         </p:tgtEl>
                                         <p:attrNameLst>
                                           <p:attrName>style.visibility</p:attrName>
@@ -8645,258 +8091,7 @@
                                       <p:cBhvr>
                                         <p:cTn id="26" dur="500"/>
                                         <p:tgtEl>
-                                          <p:spTgt spid="62"/>
-                                        </p:tgtEl>
-                                      </p:cBhvr>
-                                    </p:animEffect>
-                                  </p:childTnLst>
-                                </p:cTn>
-                              </p:par>
-                              <p:par>
-                                <p:cTn id="27" presetID="10" presetClass="entr" presetSubtype="0" fill="hold" nodeType="withEffect">
-                                  <p:stCondLst>
-                                    <p:cond delay="0"/>
-                                  </p:stCondLst>
-                                  <p:childTnLst>
-                                    <p:set>
-                                      <p:cBhvr>
-                                        <p:cTn id="28" dur="1" fill="hold">
-                                          <p:stCondLst>
-                                            <p:cond delay="0"/>
-                                          </p:stCondLst>
-                                        </p:cTn>
-                                        <p:tgtEl>
-                                          <p:spTgt spid="65"/>
-                                        </p:tgtEl>
-                                        <p:attrNameLst>
-                                          <p:attrName>style.visibility</p:attrName>
-                                        </p:attrNameLst>
-                                      </p:cBhvr>
-                                      <p:to>
-                                        <p:strVal val="visible"/>
-                                      </p:to>
-                                    </p:set>
-                                    <p:animEffect transition="in" filter="fade">
-                                      <p:cBhvr>
-                                        <p:cTn id="29" dur="500"/>
-                                        <p:tgtEl>
-                                          <p:spTgt spid="65"/>
-                                        </p:tgtEl>
-                                      </p:cBhvr>
-                                    </p:animEffect>
-                                  </p:childTnLst>
-                                </p:cTn>
-                              </p:par>
-                              <p:par>
-                                <p:cTn id="30" presetID="10" presetClass="entr" presetSubtype="0" fill="hold" grpId="0" nodeType="withEffect">
-                                  <p:stCondLst>
-                                    <p:cond delay="0"/>
-                                  </p:stCondLst>
-                                  <p:childTnLst>
-                                    <p:set>
-                                      <p:cBhvr>
-                                        <p:cTn id="31" dur="1" fill="hold">
-                                          <p:stCondLst>
-                                            <p:cond delay="0"/>
-                                          </p:stCondLst>
-                                        </p:cTn>
-                                        <p:tgtEl>
-                                          <p:spTgt spid="57"/>
-                                        </p:tgtEl>
-                                        <p:attrNameLst>
-                                          <p:attrName>style.visibility</p:attrName>
-                                        </p:attrNameLst>
-                                      </p:cBhvr>
-                                      <p:to>
-                                        <p:strVal val="visible"/>
-                                      </p:to>
-                                    </p:set>
-                                    <p:animEffect transition="in" filter="fade">
-                                      <p:cBhvr>
-                                        <p:cTn id="32" dur="500"/>
-                                        <p:tgtEl>
-                                          <p:spTgt spid="57"/>
-                                        </p:tgtEl>
-                                      </p:cBhvr>
-                                    </p:animEffect>
-                                  </p:childTnLst>
-                                </p:cTn>
-                              </p:par>
-                            </p:childTnLst>
-                          </p:cTn>
-                        </p:par>
-                      </p:childTnLst>
-                    </p:cTn>
-                  </p:par>
-                  <p:par>
-                    <p:cTn id="33" fill="hold">
-                      <p:stCondLst>
-                        <p:cond delay="indefinite"/>
-                      </p:stCondLst>
-                      <p:childTnLst>
-                        <p:par>
-                          <p:cTn id="34" fill="hold">
-                            <p:stCondLst>
-                              <p:cond delay="0"/>
-                            </p:stCondLst>
-                            <p:childTnLst>
-                              <p:par>
-                                <p:cTn id="35" presetID="63" presetClass="path" presetSubtype="0" accel="50000" decel="50000" fill="hold" grpId="1" nodeType="clickEffect">
-                                  <p:stCondLst>
-                                    <p:cond delay="0"/>
-                                  </p:stCondLst>
-                                  <p:childTnLst>
-                                    <p:animMotion origin="layout" path="M -1.66667E-6 1.85185E-6 L 0.17774 0.00301 " pathEditMode="relative" rAng="0" ptsTypes="AA">
-                                      <p:cBhvr>
-                                        <p:cTn id="36" dur="2000" fill="hold"/>
-                                        <p:tgtEl>
-                                          <p:spTgt spid="57"/>
-                                        </p:tgtEl>
-                                        <p:attrNameLst>
-                                          <p:attrName>ppt_x</p:attrName>
-                                          <p:attrName>ppt_y</p:attrName>
-                                        </p:attrNameLst>
-                                      </p:cBhvr>
-                                      <p:rCtr x="8880" y="139"/>
-                                    </p:animMotion>
-                                  </p:childTnLst>
-                                </p:cTn>
-                              </p:par>
-                            </p:childTnLst>
-                          </p:cTn>
-                        </p:par>
-                        <p:par>
-                          <p:cTn id="37" fill="hold">
-                            <p:stCondLst>
-                              <p:cond delay="2000"/>
-                            </p:stCondLst>
-                            <p:childTnLst>
-                              <p:par>
-                                <p:cTn id="38" presetID="42" presetClass="path" presetSubtype="0" accel="50000" decel="50000" fill="hold" grpId="2" nodeType="afterEffect">
-                                  <p:stCondLst>
-                                    <p:cond delay="0"/>
-                                  </p:stCondLst>
-                                  <p:childTnLst>
-                                    <p:animMotion origin="layout" path="M 0.17774 0.00301 L 0.36003 -0.01134 " pathEditMode="relative" rAng="0" ptsTypes="AA">
-                                      <p:cBhvr>
-                                        <p:cTn id="39" dur="2000" fill="hold"/>
-                                        <p:tgtEl>
-                                          <p:spTgt spid="57"/>
-                                        </p:tgtEl>
-                                        <p:attrNameLst>
-                                          <p:attrName>ppt_x</p:attrName>
-                                          <p:attrName>ppt_y</p:attrName>
-                                        </p:attrNameLst>
-                                      </p:cBhvr>
-                                      <p:rCtr x="9115" y="-718"/>
-                                    </p:animMotion>
-                                  </p:childTnLst>
-                                </p:cTn>
-                              </p:par>
-                            </p:childTnLst>
-                          </p:cTn>
-                        </p:par>
-                        <p:par>
-                          <p:cTn id="40" fill="hold">
-                            <p:stCondLst>
-                              <p:cond delay="4000"/>
-                            </p:stCondLst>
-                            <p:childTnLst>
-                              <p:par>
-                                <p:cTn id="41" presetID="42" presetClass="path" presetSubtype="0" accel="50000" decel="50000" fill="hold" grpId="3" nodeType="afterEffect">
-                                  <p:stCondLst>
-                                    <p:cond delay="0"/>
-                                  </p:stCondLst>
-                                  <p:childTnLst>
-                                    <p:animMotion origin="layout" path="M 0.36003 -0.01134 L 0.52682 -0.00139 " pathEditMode="relative" rAng="0" ptsTypes="AA">
-                                      <p:cBhvr>
-                                        <p:cTn id="42" dur="2000" fill="hold"/>
-                                        <p:tgtEl>
-                                          <p:spTgt spid="57"/>
-                                        </p:tgtEl>
-                                        <p:attrNameLst>
-                                          <p:attrName>ppt_x</p:attrName>
-                                          <p:attrName>ppt_y</p:attrName>
-                                        </p:attrNameLst>
-                                      </p:cBhvr>
-                                      <p:rCtr x="8333" y="486"/>
-                                    </p:animMotion>
-                                  </p:childTnLst>
-                                </p:cTn>
-                              </p:par>
-                            </p:childTnLst>
-                          </p:cTn>
-                        </p:par>
-                        <p:par>
-                          <p:cTn id="43" fill="hold">
-                            <p:stCondLst>
-                              <p:cond delay="6000"/>
-                            </p:stCondLst>
-                            <p:childTnLst>
-                              <p:par>
-                                <p:cTn id="44" presetID="10" presetClass="exit" presetSubtype="0" fill="hold" grpId="4" nodeType="afterEffect">
-                                  <p:stCondLst>
-                                    <p:cond delay="0"/>
-                                  </p:stCondLst>
-                                  <p:childTnLst>
-                                    <p:animEffect transition="out" filter="fade">
-                                      <p:cBhvr>
-                                        <p:cTn id="45" dur="500"/>
-                                        <p:tgtEl>
-                                          <p:spTgt spid="57"/>
-                                        </p:tgtEl>
-                                      </p:cBhvr>
-                                    </p:animEffect>
-                                    <p:set>
-                                      <p:cBhvr>
-                                        <p:cTn id="46" dur="1" fill="hold">
-                                          <p:stCondLst>
-                                            <p:cond delay="499"/>
-                                          </p:stCondLst>
-                                        </p:cTn>
-                                        <p:tgtEl>
-                                          <p:spTgt spid="57"/>
-                                        </p:tgtEl>
-                                        <p:attrNameLst>
-                                          <p:attrName>style.visibility</p:attrName>
-                                        </p:attrNameLst>
-                                      </p:cBhvr>
-                                      <p:to>
-                                        <p:strVal val="hidden"/>
-                                      </p:to>
-                                    </p:set>
-                                  </p:childTnLst>
-                                </p:cTn>
-                              </p:par>
-                              <p:par>
-                                <p:cTn id="47" presetID="10" presetClass="entr" presetSubtype="0" fill="hold" nodeType="withEffect">
-                                  <p:stCondLst>
-                                    <p:cond delay="0"/>
-                                  </p:stCondLst>
-                                  <p:childTnLst>
-                                    <p:set>
-                                      <p:cBhvr>
-                                        <p:cTn id="48" dur="1" fill="hold">
-                                          <p:stCondLst>
-                                            <p:cond delay="0"/>
-                                          </p:stCondLst>
-                                        </p:cTn>
-                                        <p:tgtEl>
-                                          <p:spTgt spid="74"/>
-                                        </p:tgtEl>
-                                        <p:attrNameLst>
-                                          <p:attrName>style.visibility</p:attrName>
-                                        </p:attrNameLst>
-                                      </p:cBhvr>
-                                      <p:to>
-                                        <p:strVal val="visible"/>
-                                      </p:to>
-                                    </p:set>
-                                    <p:animEffect transition="in" filter="fade">
-                                      <p:cBhvr>
-                                        <p:cTn id="49" dur="500"/>
-                                        <p:tgtEl>
-                                          <p:spTgt spid="74"/>
+                                          <p:spTgt spid="83"/>
                                         </p:tgtEl>
                                       </p:cBhvr>
                                     </p:animEffect>
@@ -8931,12 +8126,8 @@
       </p:par>
     </p:tnLst>
     <p:bldLst>
-      <p:bldP spid="57" grpId="0" animBg="1"/>
-      <p:bldP spid="57" grpId="1" animBg="1"/>
-      <p:bldP spid="57" grpId="2" animBg="1"/>
-      <p:bldP spid="57" grpId="3" animBg="1"/>
-      <p:bldP spid="57" grpId="4" animBg="1"/>
       <p:bldP spid="77" grpId="0"/>
+      <p:bldP spid="85" grpId="0" animBg="1"/>
     </p:bldLst>
   </p:timing>
 </p:sld>
